--- a/Work_Data/GW_UI Design_ppt_V1.0_20170212.pptx
+++ b/Work_Data/GW_UI Design_ppt_V1.0_20170212.pptx
@@ -5,7 +5,7 @@
     <p:sldMasterId id="2147483648" r:id="rId1"/>
   </p:sldMasterIdLst>
   <p:notesMasterIdLst>
-    <p:notesMasterId r:id="rId12"/>
+    <p:notesMasterId r:id="rId11"/>
   </p:notesMasterIdLst>
   <p:sldIdLst>
     <p:sldId id="310" r:id="rId2"/>
@@ -13,23 +13,22 @@
     <p:sldId id="311" r:id="rId4"/>
     <p:sldId id="316" r:id="rId5"/>
     <p:sldId id="317" r:id="rId6"/>
-    <p:sldId id="318" r:id="rId7"/>
-    <p:sldId id="319" r:id="rId8"/>
-    <p:sldId id="320" r:id="rId9"/>
-    <p:sldId id="321" r:id="rId10"/>
-    <p:sldId id="309" r:id="rId11"/>
+    <p:sldId id="319" r:id="rId7"/>
+    <p:sldId id="320" r:id="rId8"/>
+    <p:sldId id="321" r:id="rId9"/>
+    <p:sldId id="309" r:id="rId10"/>
   </p:sldIdLst>
   <p:sldSz cx="9144000" cy="6858000" type="screen4x3"/>
   <p:notesSz cx="6858000" cy="9144000"/>
   <p:embeddedFontLst>
     <p:embeddedFont>
       <p:font typeface="타이포_뽀로로 M" panose="02020503020101020101" pitchFamily="18" charset="-127"/>
-      <p:regular r:id="rId13"/>
+      <p:regular r:id="rId12"/>
     </p:embeddedFont>
     <p:embeddedFont>
       <p:font typeface="맑은 고딕" panose="020B0503020000020004" pitchFamily="50" charset="-127"/>
-      <p:regular r:id="rId14"/>
-      <p:bold r:id="rId15"/>
+      <p:regular r:id="rId13"/>
+      <p:bold r:id="rId14"/>
     </p:embeddedFont>
   </p:embeddedFontLst>
   <p:defaultTextStyle>
@@ -215,20 +214,6 @@
 </file>
 
 <file path=ppt/comments/comment5.xml><?xml version="1.0" encoding="utf-8"?>
-<p:cmLst xmlns:a="http://schemas.openxmlformats.org/drawingml/2006/main" xmlns:r="http://schemas.openxmlformats.org/officeDocument/2006/relationships" xmlns:p="http://schemas.openxmlformats.org/presentationml/2006/main">
-  <p:cm authorId="1" dt="2017-02-12T18:33:21.700" idx="1">
-    <p:pos x="10" y="10"/>
-    <p:text/>
-    <p:extLst>
-      <p:ext uri="{C676402C-5697-4E1C-873F-D02D1690AC5C}">
-        <p15:threadingInfo xmlns:p15="http://schemas.microsoft.com/office/powerpoint/2012/main" timeZoneBias="-540"/>
-      </p:ext>
-    </p:extLst>
-  </p:cm>
-</p:cmLst>
-</file>
-
-<file path=ppt/comments/comment6.xml><?xml version="1.0" encoding="utf-8"?>
 <p:cmLst xmlns:a="http://schemas.openxmlformats.org/drawingml/2006/main" xmlns:r="http://schemas.openxmlformats.org/officeDocument/2006/relationships" xmlns:p="http://schemas.openxmlformats.org/presentationml/2006/main">
   <p:cm authorId="1" dt="2017-02-12T18:33:21.700" idx="1">
     <p:pos x="10" y="10"/>
@@ -4324,605 +4309,6 @@
     <p:extLst>
       <p:ext uri="{BB962C8B-B14F-4D97-AF65-F5344CB8AC3E}">
         <p14:creationId xmlns:p14="http://schemas.microsoft.com/office/powerpoint/2010/main" val="1032176481"/>
-      </p:ext>
-    </p:extLst>
-  </p:cSld>
-  <p:clrMapOvr>
-    <a:masterClrMapping/>
-  </p:clrMapOvr>
-  <p:timing>
-    <p:tnLst>
-      <p:par>
-        <p:cTn id="1" dur="indefinite" restart="never" nodeType="tmRoot"/>
-      </p:par>
-    </p:tnLst>
-  </p:timing>
-</p:sld>
-</file>
-
-<file path=ppt/slides/slide10.xml><?xml version="1.0" encoding="utf-8"?>
-<p:sld xmlns:a="http://schemas.openxmlformats.org/drawingml/2006/main" xmlns:r="http://schemas.openxmlformats.org/officeDocument/2006/relationships" xmlns:p="http://schemas.openxmlformats.org/presentationml/2006/main">
-  <p:cSld>
-    <p:spTree>
-      <p:nvGrpSpPr>
-        <p:cNvPr id="1" name=""/>
-        <p:cNvGrpSpPr/>
-        <p:nvPr/>
-      </p:nvGrpSpPr>
-      <p:grpSpPr>
-        <a:xfrm>
-          <a:off x="0" y="0"/>
-          <a:ext cx="0" cy="0"/>
-          <a:chOff x="0" y="0"/>
-          <a:chExt cx="0" cy="0"/>
-        </a:xfrm>
-      </p:grpSpPr>
-      <p:sp>
-        <p:nvSpPr>
-          <p:cNvPr id="4" name="슬라이드 번호 개체 틀 3"/>
-          <p:cNvSpPr>
-            <a:spLocks noGrp="1"/>
-          </p:cNvSpPr>
-          <p:nvPr>
-            <p:ph type="sldNum" sz="quarter" idx="12"/>
-          </p:nvPr>
-        </p:nvSpPr>
-        <p:spPr>
-          <a:xfrm>
-            <a:off x="8244408" y="6356350"/>
-            <a:ext cx="442392" cy="365125"/>
-          </a:xfrm>
-        </p:spPr>
-        <p:txBody>
-          <a:bodyPr/>
-          <a:lstStyle/>
-          <a:p>
-            <a:fld id="{DCCC80DD-AB2E-4718-90F4-1564A6642ACA}" type="slidenum">
-              <a:rPr lang="ko-KR" altLang="en-US" smtClean="0"/>
-              <a:t>10</a:t>
-            </a:fld>
-            <a:endParaRPr lang="ko-KR" altLang="en-US"/>
-          </a:p>
-        </p:txBody>
-      </p:sp>
-      <p:sp>
-        <p:nvSpPr>
-          <p:cNvPr id="17" name="모서리가 둥근 직사각형 16"/>
-          <p:cNvSpPr/>
-          <p:nvPr/>
-        </p:nvSpPr>
-        <p:spPr>
-          <a:xfrm>
-            <a:off x="755576" y="116632"/>
-            <a:ext cx="6048672" cy="720080"/>
-          </a:xfrm>
-          <a:prstGeom prst="roundRect">
-            <a:avLst/>
-          </a:prstGeom>
-          <a:ln/>
-        </p:spPr>
-        <p:style>
-          <a:lnRef idx="3">
-            <a:schemeClr val="lt1"/>
-          </a:lnRef>
-          <a:fillRef idx="1">
-            <a:schemeClr val="accent6"/>
-          </a:fillRef>
-          <a:effectRef idx="1">
-            <a:schemeClr val="accent6"/>
-          </a:effectRef>
-          <a:fontRef idx="minor">
-            <a:schemeClr val="lt1"/>
-          </a:fontRef>
-        </p:style>
-        <p:txBody>
-          <a:bodyPr rtlCol="0" anchor="ctr"/>
-          <a:lstStyle/>
-          <a:p>
-            <a:pPr algn="ctr"/>
-            <a:r>
-              <a:rPr lang="en-US" altLang="ko-KR" sz="4000" dirty="0" smtClean="0">
-                <a:latin typeface="타이포_뽀로로 M" panose="02020503020101020101" pitchFamily="18" charset="-127"/>
-                <a:ea typeface="타이포_뽀로로 M" panose="02020503020101020101" pitchFamily="18" charset="-127"/>
-              </a:rPr>
-              <a:t>User Interface</a:t>
-            </a:r>
-            <a:endParaRPr lang="ko-KR" altLang="en-US" sz="4000" dirty="0">
-              <a:latin typeface="타이포_뽀로로 M" panose="02020503020101020101" pitchFamily="18" charset="-127"/>
-              <a:ea typeface="타이포_뽀로로 M" panose="02020503020101020101" pitchFamily="18" charset="-127"/>
-            </a:endParaRPr>
-          </a:p>
-        </p:txBody>
-      </p:sp>
-      <p:pic>
-        <p:nvPicPr>
-          <p:cNvPr id="18" name="Picture 4" descr="C:\Users\HYP\Desktop\어피치.png"/>
-          <p:cNvPicPr>
-            <a:picLocks noChangeAspect="1" noChangeArrowheads="1"/>
-          </p:cNvPicPr>
-          <p:nvPr/>
-        </p:nvPicPr>
-        <p:blipFill>
-          <a:blip r:embed="rId2">
-            <a:extLst>
-              <a:ext uri="{28A0092B-C50C-407E-A947-70E740481C1C}">
-                <a14:useLocalDpi xmlns:a14="http://schemas.microsoft.com/office/drawing/2010/main" val="0"/>
-              </a:ext>
-            </a:extLst>
-          </a:blip>
-          <a:srcRect/>
-          <a:stretch>
-            <a:fillRect/>
-          </a:stretch>
-        </p:blipFill>
-        <p:spPr bwMode="auto">
-          <a:xfrm>
-            <a:off x="-77005" y="-171400"/>
-            <a:ext cx="1647825" cy="1590675"/>
-          </a:xfrm>
-          <a:prstGeom prst="rect">
-            <a:avLst/>
-          </a:prstGeom>
-          <a:noFill/>
-          <a:extLst>
-            <a:ext uri="{909E8E84-426E-40DD-AFC4-6F175D3DCCD1}">
-              <a14:hiddenFill xmlns:a14="http://schemas.microsoft.com/office/drawing/2010/main">
-                <a:solidFill>
-                  <a:srgbClr val="FFFFFF"/>
-                </a:solidFill>
-              </a14:hiddenFill>
-            </a:ext>
-          </a:extLst>
-        </p:spPr>
-      </p:pic>
-      <p:sp>
-        <p:nvSpPr>
-          <p:cNvPr id="5" name="TextBox 4"/>
-          <p:cNvSpPr txBox="1"/>
-          <p:nvPr/>
-        </p:nvSpPr>
-        <p:spPr>
-          <a:xfrm>
-            <a:off x="325234" y="1628800"/>
-            <a:ext cx="8424935" cy="3901068"/>
-          </a:xfrm>
-          <a:prstGeom prst="rect">
-            <a:avLst/>
-          </a:prstGeom>
-          <a:noFill/>
-        </p:spPr>
-        <p:txBody>
-          <a:bodyPr wrap="square" rtlCol="0">
-            <a:spAutoFit/>
-          </a:bodyPr>
-          <a:lstStyle/>
-          <a:p>
-            <a:pPr>
-              <a:lnSpc>
-                <a:spcPct val="150000"/>
-              </a:lnSpc>
-            </a:pPr>
-            <a:r>
-              <a:rPr lang="en-US" altLang="ko-KR" sz="1500" b="1" i="1" dirty="0" smtClean="0"/>
-              <a:t>Public </a:t>
-            </a:r>
-            <a:r>
-              <a:rPr lang="en-US" altLang="ko-KR" sz="1500" b="1" i="1" dirty="0"/>
-              <a:t>Functions</a:t>
-            </a:r>
-            <a:endParaRPr lang="en-US" altLang="ko-KR" sz="1500" dirty="0"/>
-          </a:p>
-          <a:p>
-            <a:pPr>
-              <a:lnSpc>
-                <a:spcPct val="150000"/>
-              </a:lnSpc>
-            </a:pPr>
-            <a:r>
-              <a:rPr lang="en-US" altLang="ko-KR" sz="1500" dirty="0"/>
-              <a:t>float </a:t>
-            </a:r>
-            <a:r>
-              <a:rPr lang="en-US" altLang="ko-KR" sz="1500" b="1" dirty="0" err="1"/>
-              <a:t>distanceOfTipToElement</a:t>
-            </a:r>
-            <a:r>
-              <a:rPr lang="en-US" altLang="ko-KR" sz="1500" dirty="0"/>
-              <a:t>(Transform </a:t>
-            </a:r>
-            <a:r>
-              <a:rPr lang="en-US" altLang="ko-KR" sz="1500" dirty="0" err="1"/>
-              <a:t>UIElement</a:t>
-            </a:r>
-            <a:r>
-              <a:rPr lang="en-US" altLang="ko-KR" sz="1500" dirty="0"/>
-              <a:t>, </a:t>
-            </a:r>
-            <a:r>
-              <a:rPr lang="en-US" altLang="ko-KR" sz="1500" dirty="0" err="1"/>
-              <a:t>int</a:t>
-            </a:r>
-            <a:r>
-              <a:rPr lang="en-US" altLang="ko-KR" sz="1500" dirty="0"/>
-              <a:t> </a:t>
-            </a:r>
-            <a:r>
-              <a:rPr lang="en-US" altLang="ko-KR" sz="1500" dirty="0" err="1"/>
-              <a:t>whichHand</a:t>
-            </a:r>
-            <a:r>
-              <a:rPr lang="en-US" altLang="ko-KR" sz="1500" dirty="0"/>
-              <a:t>, </a:t>
-            </a:r>
-            <a:r>
-              <a:rPr lang="en-US" altLang="ko-KR" sz="1500" dirty="0" err="1"/>
-              <a:t>int</a:t>
-            </a:r>
-            <a:r>
-              <a:rPr lang="en-US" altLang="ko-KR" sz="1500" dirty="0"/>
-              <a:t> </a:t>
-            </a:r>
-            <a:r>
-              <a:rPr lang="en-US" altLang="ko-KR" sz="1500" dirty="0" err="1"/>
-              <a:t>whichFinger</a:t>
-            </a:r>
-            <a:r>
-              <a:rPr lang="en-US" altLang="ko-KR" sz="1500" dirty="0"/>
-              <a:t>)</a:t>
-            </a:r>
-          </a:p>
-          <a:p>
-            <a:pPr>
-              <a:lnSpc>
-                <a:spcPct val="150000"/>
-              </a:lnSpc>
-            </a:pPr>
-            <a:r>
-              <a:rPr lang="en-US" altLang="ko-KR" sz="1500" dirty="0" smtClean="0"/>
-              <a:t>- </a:t>
-            </a:r>
-            <a:r>
-              <a:rPr lang="ko-KR" altLang="en-US" sz="1500" dirty="0" smtClean="0"/>
-              <a:t>검지손가락 끝의 지정된 위치 값</a:t>
-            </a:r>
-            <a:endParaRPr lang="en-US" altLang="ko-KR" sz="1500" dirty="0" smtClean="0"/>
-          </a:p>
-          <a:p>
-            <a:pPr>
-              <a:lnSpc>
-                <a:spcPct val="150000"/>
-              </a:lnSpc>
-            </a:pPr>
-            <a:r>
-              <a:rPr lang="en-US" altLang="ko-KR" sz="1500" dirty="0" smtClean="0"/>
-              <a:t>float</a:t>
-            </a:r>
-            <a:r>
-              <a:rPr lang="en-US" altLang="ko-KR" sz="1500" dirty="0"/>
-              <a:t> </a:t>
-            </a:r>
-            <a:r>
-              <a:rPr lang="en-US" altLang="ko-KR" sz="1500" b="1" dirty="0" err="1"/>
-              <a:t>distanceOfTipToPointer</a:t>
-            </a:r>
-            <a:r>
-              <a:rPr lang="en-US" altLang="ko-KR" sz="1500" dirty="0"/>
-              <a:t>(</a:t>
-            </a:r>
-            <a:r>
-              <a:rPr lang="en-US" altLang="ko-KR" sz="1500" dirty="0" err="1"/>
-              <a:t>int</a:t>
-            </a:r>
-            <a:r>
-              <a:rPr lang="en-US" altLang="ko-KR" sz="1500" dirty="0"/>
-              <a:t> </a:t>
-            </a:r>
-            <a:r>
-              <a:rPr lang="en-US" altLang="ko-KR" sz="1500" dirty="0" err="1"/>
-              <a:t>whichPointer</a:t>
-            </a:r>
-            <a:r>
-              <a:rPr lang="en-US" altLang="ko-KR" sz="1500" dirty="0"/>
-              <a:t>, </a:t>
-            </a:r>
-            <a:r>
-              <a:rPr lang="en-US" altLang="ko-KR" sz="1500" dirty="0" err="1"/>
-              <a:t>int</a:t>
-            </a:r>
-            <a:r>
-              <a:rPr lang="en-US" altLang="ko-KR" sz="1500" dirty="0"/>
-              <a:t> </a:t>
-            </a:r>
-            <a:r>
-              <a:rPr lang="en-US" altLang="ko-KR" sz="1500" dirty="0" err="1"/>
-              <a:t>whichHand</a:t>
-            </a:r>
-            <a:r>
-              <a:rPr lang="en-US" altLang="ko-KR" sz="1500" dirty="0"/>
-              <a:t>, </a:t>
-            </a:r>
-            <a:r>
-              <a:rPr lang="en-US" altLang="ko-KR" sz="1500" dirty="0" err="1"/>
-              <a:t>int</a:t>
-            </a:r>
-            <a:r>
-              <a:rPr lang="en-US" altLang="ko-KR" sz="1500" dirty="0"/>
-              <a:t> </a:t>
-            </a:r>
-            <a:r>
-              <a:rPr lang="en-US" altLang="ko-KR" sz="1500" dirty="0" err="1"/>
-              <a:t>whichFinger</a:t>
-            </a:r>
-            <a:r>
-              <a:rPr lang="en-US" altLang="ko-KR" sz="1500" dirty="0"/>
-              <a:t>)</a:t>
-            </a:r>
-          </a:p>
-          <a:p>
-            <a:pPr>
-              <a:lnSpc>
-                <a:spcPct val="150000"/>
-              </a:lnSpc>
-            </a:pPr>
-            <a:r>
-              <a:rPr lang="en-US" altLang="ko-KR" sz="1500" dirty="0" smtClean="0"/>
-              <a:t>- </a:t>
-            </a:r>
-            <a:r>
-              <a:rPr lang="ko-KR" altLang="en-US" sz="1500" dirty="0" smtClean="0"/>
-              <a:t>검지손가락 끝의 포인터 값</a:t>
-            </a:r>
-            <a:endParaRPr lang="en-US" altLang="ko-KR" sz="1500" dirty="0"/>
-          </a:p>
-          <a:p>
-            <a:pPr>
-              <a:lnSpc>
-                <a:spcPct val="150000"/>
-              </a:lnSpc>
-            </a:pPr>
-            <a:r>
-              <a:rPr lang="en-US" altLang="ko-KR" sz="1500" dirty="0" err="1" smtClean="0"/>
-              <a:t>bool</a:t>
-            </a:r>
-            <a:r>
-              <a:rPr lang="en-US" altLang="ko-KR" sz="1500" dirty="0"/>
-              <a:t> </a:t>
-            </a:r>
-            <a:r>
-              <a:rPr lang="en-US" altLang="ko-KR" sz="1500" b="1" dirty="0" err="1"/>
-              <a:t>getTouchingMode</a:t>
-            </a:r>
-            <a:r>
-              <a:rPr lang="en-US" altLang="ko-KR" sz="1500" dirty="0" smtClean="0"/>
-              <a:t>()</a:t>
-            </a:r>
-          </a:p>
-          <a:p>
-            <a:pPr>
-              <a:lnSpc>
-                <a:spcPct val="150000"/>
-              </a:lnSpc>
-            </a:pPr>
-            <a:r>
-              <a:rPr lang="en-US" altLang="ko-KR" sz="1500" dirty="0" smtClean="0"/>
-              <a:t>- </a:t>
-            </a:r>
-            <a:r>
-              <a:rPr lang="ko-KR" altLang="en-US" sz="1500" dirty="0" smtClean="0"/>
-              <a:t>손가락이 터치하는지 여부를 판단해서 반환 하는 함수</a:t>
-            </a:r>
-            <a:endParaRPr lang="en-US" altLang="ko-KR" sz="1500" dirty="0"/>
-          </a:p>
-          <a:p>
-            <a:pPr>
-              <a:lnSpc>
-                <a:spcPct val="150000"/>
-              </a:lnSpc>
-            </a:pPr>
-            <a:r>
-              <a:rPr lang="en-US" altLang="ko-KR" sz="1500" dirty="0" err="1" smtClean="0"/>
-              <a:t>bool</a:t>
-            </a:r>
-            <a:r>
-              <a:rPr lang="en-US" altLang="ko-KR" sz="1500" dirty="0"/>
-              <a:t> </a:t>
-            </a:r>
-            <a:r>
-              <a:rPr lang="en-US" altLang="ko-KR" sz="1500" b="1" dirty="0" err="1"/>
-              <a:t>isTriggeringInteraction</a:t>
-            </a:r>
-            <a:r>
-              <a:rPr lang="en-US" altLang="ko-KR" sz="1500" dirty="0"/>
-              <a:t>(</a:t>
-            </a:r>
-            <a:r>
-              <a:rPr lang="en-US" altLang="ko-KR" sz="1500" dirty="0" err="1"/>
-              <a:t>int</a:t>
-            </a:r>
-            <a:r>
-              <a:rPr lang="en-US" altLang="ko-KR" sz="1500" dirty="0"/>
-              <a:t> </a:t>
-            </a:r>
-            <a:r>
-              <a:rPr lang="en-US" altLang="ko-KR" sz="1500" dirty="0" err="1"/>
-              <a:t>whichPointer</a:t>
-            </a:r>
-            <a:r>
-              <a:rPr lang="en-US" altLang="ko-KR" sz="1500" dirty="0"/>
-              <a:t>, </a:t>
-            </a:r>
-            <a:r>
-              <a:rPr lang="en-US" altLang="ko-KR" sz="1500" dirty="0" err="1"/>
-              <a:t>int</a:t>
-            </a:r>
-            <a:r>
-              <a:rPr lang="en-US" altLang="ko-KR" sz="1500" dirty="0"/>
-              <a:t> </a:t>
-            </a:r>
-            <a:r>
-              <a:rPr lang="en-US" altLang="ko-KR" sz="1500" dirty="0" err="1"/>
-              <a:t>whichHand</a:t>
-            </a:r>
-            <a:r>
-              <a:rPr lang="en-US" altLang="ko-KR" sz="1500" dirty="0"/>
-              <a:t>, </a:t>
-            </a:r>
-            <a:r>
-              <a:rPr lang="en-US" altLang="ko-KR" sz="1500" dirty="0" err="1"/>
-              <a:t>int</a:t>
-            </a:r>
-            <a:r>
-              <a:rPr lang="en-US" altLang="ko-KR" sz="1500" dirty="0"/>
-              <a:t> </a:t>
-            </a:r>
-            <a:r>
-              <a:rPr lang="en-US" altLang="ko-KR" sz="1500" dirty="0" err="1"/>
-              <a:t>whichFinger</a:t>
-            </a:r>
-            <a:r>
-              <a:rPr lang="en-US" altLang="ko-KR" sz="1500" dirty="0"/>
-              <a:t>)</a:t>
-            </a:r>
-          </a:p>
-          <a:p>
-            <a:pPr>
-              <a:lnSpc>
-                <a:spcPct val="150000"/>
-              </a:lnSpc>
-            </a:pPr>
-            <a:r>
-              <a:rPr lang="en-US" altLang="ko-KR" sz="1500" dirty="0" smtClean="0"/>
-              <a:t>- </a:t>
-            </a:r>
-            <a:r>
-              <a:rPr lang="ko-KR" altLang="en-US" sz="1500" dirty="0" smtClean="0"/>
-              <a:t>클릭이 되면 </a:t>
-            </a:r>
-            <a:r>
-              <a:rPr lang="en-US" altLang="ko-KR" sz="1500" dirty="0" smtClean="0"/>
-              <a:t>True</a:t>
-            </a:r>
-            <a:r>
-              <a:rPr lang="ko-KR" altLang="en-US" sz="1500" dirty="0" smtClean="0"/>
-              <a:t>를 반환하는 </a:t>
-            </a:r>
-            <a:r>
-              <a:rPr lang="en-US" altLang="ko-KR" sz="1500" dirty="0" err="1" smtClean="0"/>
-              <a:t>bool</a:t>
-            </a:r>
-            <a:r>
-              <a:rPr lang="en-US" altLang="ko-KR" sz="1500" dirty="0" smtClean="0"/>
-              <a:t> </a:t>
-            </a:r>
-            <a:r>
-              <a:rPr lang="ko-KR" altLang="en-US" sz="1500" dirty="0" smtClean="0"/>
-              <a:t>함수</a:t>
-            </a:r>
-            <a:endParaRPr lang="en-US" altLang="ko-KR" sz="1500" dirty="0"/>
-          </a:p>
-          <a:p>
-            <a:pPr>
-              <a:lnSpc>
-                <a:spcPct val="150000"/>
-              </a:lnSpc>
-            </a:pPr>
-            <a:r>
-              <a:rPr lang="en-US" altLang="ko-KR" sz="1500" dirty="0"/>
-              <a:t>void </a:t>
-            </a:r>
-            <a:r>
-              <a:rPr lang="en-US" altLang="ko-KR" sz="1500" b="1" dirty="0" err="1"/>
-              <a:t>lerpPointerColor</a:t>
-            </a:r>
-            <a:r>
-              <a:rPr lang="en-US" altLang="ko-KR" sz="1500" dirty="0"/>
-              <a:t>(</a:t>
-            </a:r>
-            <a:r>
-              <a:rPr lang="en-US" altLang="ko-KR" sz="1500" dirty="0" err="1"/>
-              <a:t>int</a:t>
-            </a:r>
-            <a:r>
-              <a:rPr lang="en-US" altLang="ko-KR" sz="1500" dirty="0"/>
-              <a:t> </a:t>
-            </a:r>
-            <a:r>
-              <a:rPr lang="en-US" altLang="ko-KR" sz="1500" dirty="0" err="1"/>
-              <a:t>whichPointer</a:t>
-            </a:r>
-            <a:r>
-              <a:rPr lang="en-US" altLang="ko-KR" sz="1500" dirty="0"/>
-              <a:t>, Color </a:t>
-            </a:r>
-            <a:r>
-              <a:rPr lang="en-US" altLang="ko-KR" sz="1500" dirty="0" err="1"/>
-              <a:t>color</a:t>
-            </a:r>
-            <a:r>
-              <a:rPr lang="en-US" altLang="ko-KR" sz="1500" dirty="0"/>
-              <a:t>, float </a:t>
-            </a:r>
-            <a:r>
-              <a:rPr lang="en-US" altLang="ko-KR" sz="1500" dirty="0" err="1"/>
-              <a:t>lerpalpha</a:t>
-            </a:r>
-            <a:r>
-              <a:rPr lang="en-US" altLang="ko-KR" sz="1500" dirty="0" smtClean="0"/>
-              <a:t>)</a:t>
-            </a:r>
-          </a:p>
-          <a:p>
-            <a:pPr>
-              <a:lnSpc>
-                <a:spcPct val="150000"/>
-              </a:lnSpc>
-            </a:pPr>
-            <a:r>
-              <a:rPr lang="en-US" altLang="ko-KR" sz="1500" dirty="0" smtClean="0"/>
-              <a:t>- </a:t>
-            </a:r>
-            <a:r>
-              <a:rPr lang="ko-KR" altLang="en-US" sz="1500" dirty="0" smtClean="0"/>
-              <a:t>지정된 색상으로 커서의 색상을 변경하는 함수</a:t>
-            </a:r>
-            <a:endParaRPr lang="en-US" altLang="ko-KR" sz="1500" b="1" dirty="0"/>
-          </a:p>
-        </p:txBody>
-      </p:sp>
-      <p:sp>
-        <p:nvSpPr>
-          <p:cNvPr id="7" name="TextBox 6"/>
-          <p:cNvSpPr txBox="1"/>
-          <p:nvPr/>
-        </p:nvSpPr>
-        <p:spPr>
-          <a:xfrm>
-            <a:off x="1570820" y="989906"/>
-            <a:ext cx="1200980" cy="369332"/>
-          </a:xfrm>
-          <a:prstGeom prst="rect">
-            <a:avLst/>
-          </a:prstGeom>
-          <a:noFill/>
-        </p:spPr>
-        <p:txBody>
-          <a:bodyPr wrap="square" rtlCol="0">
-            <a:spAutoFit/>
-          </a:bodyPr>
-          <a:lstStyle/>
-          <a:p>
-            <a:r>
-              <a:rPr lang="ko-KR" altLang="en-US" b="1" dirty="0" smtClean="0"/>
-              <a:t>사용 함수</a:t>
-            </a:r>
-            <a:endParaRPr lang="ko-KR" altLang="en-US" b="1" dirty="0"/>
-          </a:p>
-        </p:txBody>
-      </p:sp>
-    </p:spTree>
-    <p:extLst>
-      <p:ext uri="{BB962C8B-B14F-4D97-AF65-F5344CB8AC3E}">
-        <p14:creationId xmlns:p14="http://schemas.microsoft.com/office/powerpoint/2010/main" val="3941496103"/>
       </p:ext>
     </p:extLst>
   </p:cSld>
@@ -6227,263 +5613,6 @@
           </p:txBody>
         </p:sp>
       </p:grpSp>
-      <p:pic>
-        <p:nvPicPr>
-          <p:cNvPr id="20" name="그림 19"/>
-          <p:cNvPicPr>
-            <a:picLocks noChangeAspect="1"/>
-          </p:cNvPicPr>
-          <p:nvPr/>
-        </p:nvPicPr>
-        <p:blipFill>
-          <a:blip r:embed="rId2" cstate="print">
-            <a:extLst>
-              <a:ext uri="{28A0092B-C50C-407E-A947-70E740481C1C}">
-                <a14:useLocalDpi xmlns:a14="http://schemas.microsoft.com/office/drawing/2010/main" val="0"/>
-              </a:ext>
-            </a:extLst>
-          </a:blip>
-          <a:stretch>
-            <a:fillRect/>
-          </a:stretch>
-        </p:blipFill>
-        <p:spPr>
-          <a:xfrm>
-            <a:off x="251486" y="1868849"/>
-            <a:ext cx="2595316" cy="1656950"/>
-          </a:xfrm>
-          <a:prstGeom prst="rect">
-            <a:avLst/>
-          </a:prstGeom>
-        </p:spPr>
-      </p:pic>
-      <p:sp>
-        <p:nvSpPr>
-          <p:cNvPr id="40" name="모서리가 둥근 직사각형 39"/>
-          <p:cNvSpPr/>
-          <p:nvPr/>
-        </p:nvSpPr>
-        <p:spPr>
-          <a:xfrm>
-            <a:off x="2414349" y="1931565"/>
-            <a:ext cx="378552" cy="146287"/>
-          </a:xfrm>
-          <a:prstGeom prst="roundRect">
-            <a:avLst/>
-          </a:prstGeom>
-        </p:spPr>
-        <p:style>
-          <a:lnRef idx="2">
-            <a:schemeClr val="accent1">
-              <a:shade val="50000"/>
-            </a:schemeClr>
-          </a:lnRef>
-          <a:fillRef idx="1">
-            <a:schemeClr val="accent1"/>
-          </a:fillRef>
-          <a:effectRef idx="0">
-            <a:schemeClr val="accent1"/>
-          </a:effectRef>
-          <a:fontRef idx="minor">
-            <a:schemeClr val="lt1"/>
-          </a:fontRef>
-        </p:style>
-        <p:txBody>
-          <a:bodyPr rtlCol="0" anchor="ctr"/>
-          <a:lstStyle/>
-          <a:p>
-            <a:pPr algn="ctr"/>
-            <a:r>
-              <a:rPr lang="ko-KR" altLang="en-US" sz="400" b="1" dirty="0" smtClean="0"/>
-              <a:t>메뉴</a:t>
-            </a:r>
-            <a:endParaRPr lang="ko-KR" altLang="en-US" sz="400" b="1" dirty="0"/>
-          </a:p>
-        </p:txBody>
-      </p:sp>
-      <p:pic>
-        <p:nvPicPr>
-          <p:cNvPr id="1035" name="Picture 11"/>
-          <p:cNvPicPr>
-            <a:picLocks noChangeAspect="1" noChangeArrowheads="1"/>
-          </p:cNvPicPr>
-          <p:nvPr/>
-        </p:nvPicPr>
-        <p:blipFill>
-          <a:blip r:embed="rId6">
-            <a:extLst>
-              <a:ext uri="{28A0092B-C50C-407E-A947-70E740481C1C}">
-                <a14:useLocalDpi xmlns:a14="http://schemas.microsoft.com/office/drawing/2010/main" val="0"/>
-              </a:ext>
-            </a:extLst>
-          </a:blip>
-          <a:srcRect/>
-          <a:stretch>
-            <a:fillRect/>
-          </a:stretch>
-        </p:blipFill>
-        <p:spPr bwMode="auto">
-          <a:xfrm>
-            <a:off x="2621451" y="3307057"/>
-            <a:ext cx="171450" cy="171450"/>
-          </a:xfrm>
-          <a:prstGeom prst="rect">
-            <a:avLst/>
-          </a:prstGeom>
-          <a:noFill/>
-          <a:ln>
-            <a:noFill/>
-          </a:ln>
-          <a:effectLst/>
-          <a:extLst>
-            <a:ext uri="{909E8E84-426E-40DD-AFC4-6F175D3DCCD1}">
-              <a14:hiddenFill xmlns:a14="http://schemas.microsoft.com/office/drawing/2010/main">
-                <a:solidFill>
-                  <a:schemeClr val="accent1"/>
-                </a:solidFill>
-              </a14:hiddenFill>
-            </a:ext>
-            <a:ext uri="{91240B29-F687-4F45-9708-019B960494DF}">
-              <a14:hiddenLine xmlns:a14="http://schemas.microsoft.com/office/drawing/2010/main" w="9525">
-                <a:solidFill>
-                  <a:schemeClr val="tx1"/>
-                </a:solidFill>
-                <a:miter lim="800000"/>
-                <a:headEnd/>
-                <a:tailEnd/>
-              </a14:hiddenLine>
-            </a:ext>
-            <a:ext uri="{AF507438-7753-43E0-B8FC-AC1667EBCBE1}">
-              <a14:hiddenEffects xmlns:a14="http://schemas.microsoft.com/office/drawing/2010/main">
-                <a:effectLst>
-                  <a:outerShdw dist="35921" dir="2700000" algn="ctr" rotWithShape="0">
-                    <a:schemeClr val="bg2"/>
-                  </a:outerShdw>
-                </a:effectLst>
-              </a14:hiddenEffects>
-            </a:ext>
-          </a:extLst>
-        </p:spPr>
-      </p:pic>
-      <p:sp>
-        <p:nvSpPr>
-          <p:cNvPr id="53" name="직사각형 52"/>
-          <p:cNvSpPr/>
-          <p:nvPr/>
-        </p:nvSpPr>
-        <p:spPr>
-          <a:xfrm>
-            <a:off x="899592" y="2636912"/>
-            <a:ext cx="1368152" cy="45719"/>
-          </a:xfrm>
-          <a:prstGeom prst="rect">
-            <a:avLst/>
-          </a:prstGeom>
-          <a:ln>
-            <a:solidFill>
-              <a:schemeClr val="accent1"/>
-            </a:solidFill>
-          </a:ln>
-        </p:spPr>
-        <p:style>
-          <a:lnRef idx="2">
-            <a:schemeClr val="accent1">
-              <a:shade val="50000"/>
-            </a:schemeClr>
-          </a:lnRef>
-          <a:fillRef idx="1">
-            <a:schemeClr val="accent1"/>
-          </a:fillRef>
-          <a:effectRef idx="0">
-            <a:schemeClr val="accent1"/>
-          </a:effectRef>
-          <a:fontRef idx="minor">
-            <a:schemeClr val="lt1"/>
-          </a:fontRef>
-        </p:style>
-        <p:txBody>
-          <a:bodyPr rtlCol="0" anchor="ctr"/>
-          <a:lstStyle/>
-          <a:p>
-            <a:pPr algn="ctr"/>
-            <a:endParaRPr lang="ko-KR" altLang="en-US"/>
-          </a:p>
-        </p:txBody>
-      </p:sp>
-      <p:pic>
-        <p:nvPicPr>
-          <p:cNvPr id="83" name="그림 82"/>
-          <p:cNvPicPr>
-            <a:picLocks noChangeAspect="1"/>
-          </p:cNvPicPr>
-          <p:nvPr/>
-        </p:nvPicPr>
-        <p:blipFill>
-          <a:blip r:embed="rId5" cstate="print">
-            <a:extLst>
-              <a:ext uri="{28A0092B-C50C-407E-A947-70E740481C1C}">
-                <a14:useLocalDpi xmlns:a14="http://schemas.microsoft.com/office/drawing/2010/main" val="0"/>
-              </a:ext>
-            </a:extLst>
-          </a:blip>
-          <a:stretch>
-            <a:fillRect/>
-          </a:stretch>
-        </p:blipFill>
-        <p:spPr>
-          <a:xfrm>
-            <a:off x="1539649" y="2716474"/>
-            <a:ext cx="809325" cy="809325"/>
-          </a:xfrm>
-          <a:prstGeom prst="rect">
-            <a:avLst/>
-          </a:prstGeom>
-        </p:spPr>
-      </p:pic>
-      <p:sp>
-        <p:nvSpPr>
-          <p:cNvPr id="70" name="모서리가 둥근 직사각형 69"/>
-          <p:cNvSpPr/>
-          <p:nvPr/>
-        </p:nvSpPr>
-        <p:spPr>
-          <a:xfrm>
-            <a:off x="315748" y="1931565"/>
-            <a:ext cx="583844" cy="140736"/>
-          </a:xfrm>
-          <a:prstGeom prst="roundRect">
-            <a:avLst/>
-          </a:prstGeom>
-        </p:spPr>
-        <p:style>
-          <a:lnRef idx="2">
-            <a:schemeClr val="accent1">
-              <a:shade val="50000"/>
-            </a:schemeClr>
-          </a:lnRef>
-          <a:fillRef idx="1">
-            <a:schemeClr val="accent1"/>
-          </a:fillRef>
-          <a:effectRef idx="0">
-            <a:schemeClr val="accent1"/>
-          </a:effectRef>
-          <a:fontRef idx="minor">
-            <a:schemeClr val="lt1"/>
-          </a:fontRef>
-        </p:style>
-        <p:txBody>
-          <a:bodyPr rtlCol="0" anchor="ctr"/>
-          <a:lstStyle/>
-          <a:p>
-            <a:pPr algn="ctr"/>
-            <a:r>
-              <a:rPr lang="ko-KR" altLang="en-US" sz="400" b="1" dirty="0" smtClean="0"/>
-              <a:t>그림 그리기</a:t>
-            </a:r>
-            <a:endParaRPr lang="ko-KR" altLang="en-US" sz="400" b="1" dirty="0"/>
-          </a:p>
-        </p:txBody>
-      </p:sp>
       <p:grpSp>
         <p:nvGrpSpPr>
           <p:cNvPr id="5" name="그룹 4"/>
@@ -7935,6 +7064,297 @@
           </p:txBody>
         </p:sp>
       </p:grpSp>
+      <p:grpSp>
+        <p:nvGrpSpPr>
+          <p:cNvPr id="78" name="그룹 77"/>
+          <p:cNvGrpSpPr/>
+          <p:nvPr/>
+        </p:nvGrpSpPr>
+        <p:grpSpPr>
+          <a:xfrm>
+            <a:off x="251536" y="1881512"/>
+            <a:ext cx="2595316" cy="1656950"/>
+            <a:chOff x="395536" y="1707307"/>
+            <a:chExt cx="6012668" cy="3953298"/>
+          </a:xfrm>
+        </p:grpSpPr>
+        <p:grpSp>
+          <p:nvGrpSpPr>
+            <p:cNvPr id="92" name="그룹 91"/>
+            <p:cNvGrpSpPr/>
+            <p:nvPr/>
+          </p:nvGrpSpPr>
+          <p:grpSpPr>
+            <a:xfrm>
+              <a:off x="395536" y="1707307"/>
+              <a:ext cx="6012668" cy="3953298"/>
+              <a:chOff x="2699792" y="4149080"/>
+              <a:chExt cx="3744415" cy="2318344"/>
+            </a:xfrm>
+          </p:grpSpPr>
+          <p:pic>
+            <p:nvPicPr>
+              <p:cNvPr id="95" name="그림 94"/>
+              <p:cNvPicPr>
+                <a:picLocks noChangeAspect="1"/>
+              </p:cNvPicPr>
+              <p:nvPr/>
+            </p:nvPicPr>
+            <p:blipFill>
+              <a:blip r:embed="rId2" cstate="print">
+                <a:extLst>
+                  <a:ext uri="{28A0092B-C50C-407E-A947-70E740481C1C}">
+                    <a14:useLocalDpi xmlns:a14="http://schemas.microsoft.com/office/drawing/2010/main" val="0"/>
+                  </a:ext>
+                </a:extLst>
+              </a:blip>
+              <a:stretch>
+                <a:fillRect/>
+              </a:stretch>
+            </p:blipFill>
+            <p:spPr>
+              <a:xfrm>
+                <a:off x="2699792" y="4149080"/>
+                <a:ext cx="3744415" cy="2318344"/>
+              </a:xfrm>
+              <a:prstGeom prst="rect">
+                <a:avLst/>
+              </a:prstGeom>
+            </p:spPr>
+          </p:pic>
+          <p:sp>
+            <p:nvSpPr>
+              <p:cNvPr id="96" name="모서리가 둥근 직사각형 95"/>
+              <p:cNvSpPr/>
+              <p:nvPr/>
+            </p:nvSpPr>
+            <p:spPr>
+              <a:xfrm>
+                <a:off x="5826100" y="4219071"/>
+                <a:ext cx="541066" cy="196117"/>
+              </a:xfrm>
+              <a:prstGeom prst="roundRect">
+                <a:avLst/>
+              </a:prstGeom>
+            </p:spPr>
+            <p:style>
+              <a:lnRef idx="2">
+                <a:schemeClr val="accent1">
+                  <a:shade val="50000"/>
+                </a:schemeClr>
+              </a:lnRef>
+              <a:fillRef idx="1">
+                <a:schemeClr val="accent1"/>
+              </a:fillRef>
+              <a:effectRef idx="0">
+                <a:schemeClr val="accent1"/>
+              </a:effectRef>
+              <a:fontRef idx="minor">
+                <a:schemeClr val="lt1"/>
+              </a:fontRef>
+            </p:style>
+            <p:txBody>
+              <a:bodyPr rtlCol="0" anchor="ctr"/>
+              <a:lstStyle/>
+              <a:p>
+                <a:pPr algn="ctr"/>
+                <a:r>
+                  <a:rPr lang="ko-KR" altLang="en-US" sz="400" b="1" dirty="0" smtClean="0"/>
+                  <a:t>메뉴</a:t>
+                </a:r>
+                <a:endParaRPr lang="ko-KR" altLang="en-US" sz="400" b="1" dirty="0"/>
+              </a:p>
+            </p:txBody>
+          </p:sp>
+          <p:pic>
+            <p:nvPicPr>
+              <p:cNvPr id="97" name="Picture 11"/>
+              <p:cNvPicPr>
+                <a:picLocks noChangeAspect="1" noChangeArrowheads="1"/>
+              </p:cNvPicPr>
+              <p:nvPr/>
+            </p:nvPicPr>
+            <p:blipFill>
+              <a:blip r:embed="rId6">
+                <a:extLst>
+                  <a:ext uri="{28A0092B-C50C-407E-A947-70E740481C1C}">
+                    <a14:useLocalDpi xmlns:a14="http://schemas.microsoft.com/office/drawing/2010/main" val="0"/>
+                  </a:ext>
+                </a:extLst>
+              </a:blip>
+              <a:srcRect/>
+              <a:stretch>
+                <a:fillRect/>
+              </a:stretch>
+            </p:blipFill>
+            <p:spPr bwMode="auto">
+              <a:xfrm>
+                <a:off x="6122112" y="6153117"/>
+                <a:ext cx="245054" cy="229851"/>
+              </a:xfrm>
+              <a:prstGeom prst="rect">
+                <a:avLst/>
+              </a:prstGeom>
+              <a:noFill/>
+              <a:ln>
+                <a:noFill/>
+              </a:ln>
+              <a:effectLst/>
+              <a:extLst>
+                <a:ext uri="{909E8E84-426E-40DD-AFC4-6F175D3DCCD1}">
+                  <a14:hiddenFill xmlns:a14="http://schemas.microsoft.com/office/drawing/2010/main">
+                    <a:solidFill>
+                      <a:schemeClr val="accent1"/>
+                    </a:solidFill>
+                  </a14:hiddenFill>
+                </a:ext>
+                <a:ext uri="{91240B29-F687-4F45-9708-019B960494DF}">
+                  <a14:hiddenLine xmlns:a14="http://schemas.microsoft.com/office/drawing/2010/main" w="9525">
+                    <a:solidFill>
+                      <a:schemeClr val="tx1"/>
+                    </a:solidFill>
+                    <a:miter lim="800000"/>
+                    <a:headEnd/>
+                    <a:tailEnd/>
+                  </a14:hiddenLine>
+                </a:ext>
+                <a:ext uri="{AF507438-7753-43E0-B8FC-AC1667EBCBE1}">
+                  <a14:hiddenEffects xmlns:a14="http://schemas.microsoft.com/office/drawing/2010/main">
+                    <a:effectLst>
+                      <a:outerShdw dist="35921" dir="2700000" algn="ctr" rotWithShape="0">
+                        <a:schemeClr val="bg2"/>
+                      </a:outerShdw>
+                    </a:effectLst>
+                  </a14:hiddenEffects>
+                </a:ext>
+              </a:extLst>
+            </p:spPr>
+          </p:pic>
+          <p:pic>
+            <p:nvPicPr>
+              <p:cNvPr id="98" name="그림 97"/>
+              <p:cNvPicPr>
+                <a:picLocks noChangeAspect="1"/>
+              </p:cNvPicPr>
+              <p:nvPr/>
+            </p:nvPicPr>
+            <p:blipFill>
+              <a:blip r:embed="rId5" cstate="print">
+                <a:extLst>
+                  <a:ext uri="{28A0092B-C50C-407E-A947-70E740481C1C}">
+                    <a14:useLocalDpi xmlns:a14="http://schemas.microsoft.com/office/drawing/2010/main" val="0"/>
+                  </a:ext>
+                </a:extLst>
+              </a:blip>
+              <a:stretch>
+                <a:fillRect/>
+              </a:stretch>
+            </p:blipFill>
+            <p:spPr>
+              <a:xfrm>
+                <a:off x="4648497" y="5240101"/>
+                <a:ext cx="1156772" cy="1085006"/>
+              </a:xfrm>
+              <a:prstGeom prst="rect">
+                <a:avLst/>
+              </a:prstGeom>
+            </p:spPr>
+          </p:pic>
+          <p:sp>
+            <p:nvSpPr>
+              <p:cNvPr id="99" name="모서리가 둥근 직사각형 98"/>
+              <p:cNvSpPr/>
+              <p:nvPr/>
+            </p:nvSpPr>
+            <p:spPr>
+              <a:xfrm>
+                <a:off x="2826560" y="4219071"/>
+                <a:ext cx="834491" cy="188675"/>
+              </a:xfrm>
+              <a:prstGeom prst="roundRect">
+                <a:avLst/>
+              </a:prstGeom>
+            </p:spPr>
+            <p:style>
+              <a:lnRef idx="2">
+                <a:schemeClr val="accent1">
+                  <a:shade val="50000"/>
+                </a:schemeClr>
+              </a:lnRef>
+              <a:fillRef idx="1">
+                <a:schemeClr val="accent1"/>
+              </a:fillRef>
+              <a:effectRef idx="0">
+                <a:schemeClr val="accent1"/>
+              </a:effectRef>
+              <a:fontRef idx="minor">
+                <a:schemeClr val="lt1"/>
+              </a:fontRef>
+            </p:style>
+            <p:txBody>
+              <a:bodyPr rtlCol="0" anchor="ctr"/>
+              <a:lstStyle/>
+              <a:p>
+                <a:pPr algn="ctr"/>
+                <a:r>
+                  <a:rPr lang="ko-KR" altLang="en-US" sz="400" b="1" dirty="0" smtClean="0"/>
+                  <a:t>그림 그리기</a:t>
+                </a:r>
+                <a:endParaRPr lang="ko-KR" altLang="en-US" sz="400" b="1" dirty="0"/>
+              </a:p>
+            </p:txBody>
+          </p:sp>
+        </p:grpSp>
+        <p:sp>
+          <p:nvSpPr>
+            <p:cNvPr id="80" name="포인트가 5개인 별 79"/>
+            <p:cNvSpPr/>
+            <p:nvPr/>
+          </p:nvSpPr>
+          <p:spPr>
+            <a:xfrm>
+              <a:off x="2203990" y="2178079"/>
+              <a:ext cx="2217405" cy="1843983"/>
+            </a:xfrm>
+            <a:prstGeom prst="star5">
+              <a:avLst/>
+            </a:prstGeom>
+            <a:noFill/>
+            <a:ln>
+              <a:solidFill>
+                <a:schemeClr val="tx2">
+                  <a:lumMod val="60000"/>
+                  <a:lumOff val="40000"/>
+                </a:schemeClr>
+              </a:solidFill>
+            </a:ln>
+          </p:spPr>
+          <p:style>
+            <a:lnRef idx="2">
+              <a:schemeClr val="accent1">
+                <a:shade val="50000"/>
+              </a:schemeClr>
+            </a:lnRef>
+            <a:fillRef idx="1">
+              <a:schemeClr val="accent1"/>
+            </a:fillRef>
+            <a:effectRef idx="0">
+              <a:schemeClr val="accent1"/>
+            </a:effectRef>
+            <a:fontRef idx="minor">
+              <a:schemeClr val="lt1"/>
+            </a:fontRef>
+          </p:style>
+          <p:txBody>
+            <a:bodyPr rtlCol="0" anchor="ctr"/>
+            <a:lstStyle/>
+            <a:p>
+              <a:pPr algn="ctr"/>
+              <a:endParaRPr lang="ko-KR" altLang="en-US"/>
+            </a:p>
+          </p:txBody>
+        </p:sp>
+      </p:grpSp>
     </p:spTree>
     <p:extLst>
       <p:ext uri="{BB962C8B-B14F-4D97-AF65-F5344CB8AC3E}">
@@ -8746,7 +8166,15 @@
             </a:r>
             <a:r>
               <a:rPr lang="ko-KR" altLang="en-US" b="1" dirty="0" smtClean="0"/>
-              <a:t> 작업중인 손</a:t>
+              <a:t> </a:t>
+            </a:r>
+            <a:r>
+              <a:rPr lang="ko-KR" altLang="en-US" b="1" dirty="0" smtClean="0"/>
+              <a:t>현재 작업중인 </a:t>
+            </a:r>
+            <a:r>
+              <a:rPr lang="ko-KR" altLang="en-US" b="1" dirty="0" smtClean="0"/>
+              <a:t>손</a:t>
             </a:r>
             <a:endParaRPr lang="en-US" altLang="ko-KR" b="1" dirty="0" smtClean="0"/>
           </a:p>
@@ -9097,7 +8525,7 @@
       </p:sp>
       <p:grpSp>
         <p:nvGrpSpPr>
-          <p:cNvPr id="20" name="그룹 19"/>
+          <p:cNvPr id="2" name="그룹 1"/>
           <p:cNvGrpSpPr/>
           <p:nvPr/>
         </p:nvGrpSpPr>
@@ -9111,7 +8539,7 @@
         </p:grpSpPr>
         <p:grpSp>
           <p:nvGrpSpPr>
-            <p:cNvPr id="19" name="그룹 18"/>
+            <p:cNvPr id="20" name="그룹 19"/>
             <p:cNvGrpSpPr/>
             <p:nvPr/>
           </p:nvGrpSpPr>
@@ -9119,246 +8547,320 @@
             <a:xfrm>
               <a:off x="395536" y="1707307"/>
               <a:ext cx="6012668" cy="3953298"/>
-              <a:chOff x="935596" y="1851966"/>
+              <a:chOff x="395536" y="1707307"/>
               <a:chExt cx="6012668" cy="3953298"/>
             </a:xfrm>
           </p:grpSpPr>
           <p:grpSp>
             <p:nvGrpSpPr>
-              <p:cNvPr id="12" name="그룹 11"/>
+              <p:cNvPr id="19" name="그룹 18"/>
               <p:cNvGrpSpPr/>
               <p:nvPr/>
             </p:nvGrpSpPr>
             <p:grpSpPr>
               <a:xfrm>
-                <a:off x="935596" y="1851966"/>
+                <a:off x="395536" y="1707307"/>
                 <a:ext cx="6012668" cy="3953298"/>
-                <a:chOff x="2699792" y="4149080"/>
-                <a:chExt cx="3744415" cy="2318344"/>
+                <a:chOff x="935596" y="1851966"/>
+                <a:chExt cx="6012668" cy="3953298"/>
               </a:xfrm>
             </p:grpSpPr>
-            <p:pic>
-              <p:nvPicPr>
-                <p:cNvPr id="79" name="그림 78"/>
-                <p:cNvPicPr>
-                  <a:picLocks noChangeAspect="1"/>
-                </p:cNvPicPr>
+            <p:grpSp>
+              <p:nvGrpSpPr>
+                <p:cNvPr id="12" name="그룹 11"/>
+                <p:cNvGrpSpPr/>
                 <p:nvPr/>
-              </p:nvPicPr>
-              <p:blipFill>
-                <a:blip r:embed="rId3" cstate="print">
+              </p:nvGrpSpPr>
+              <p:grpSpPr>
+                <a:xfrm>
+                  <a:off x="935596" y="1851966"/>
+                  <a:ext cx="6012668" cy="3953298"/>
+                  <a:chOff x="2699792" y="4149080"/>
+                  <a:chExt cx="3744415" cy="2318344"/>
+                </a:xfrm>
+              </p:grpSpPr>
+              <p:pic>
+                <p:nvPicPr>
+                  <p:cNvPr id="79" name="그림 78"/>
+                  <p:cNvPicPr>
+                    <a:picLocks noChangeAspect="1"/>
+                  </p:cNvPicPr>
+                  <p:nvPr/>
+                </p:nvPicPr>
+                <p:blipFill>
+                  <a:blip r:embed="rId3" cstate="print">
+                    <a:extLst>
+                      <a:ext uri="{28A0092B-C50C-407E-A947-70E740481C1C}">
+                        <a14:useLocalDpi xmlns:a14="http://schemas.microsoft.com/office/drawing/2010/main" val="0"/>
+                      </a:ext>
+                    </a:extLst>
+                  </a:blip>
+                  <a:stretch>
+                    <a:fillRect/>
+                  </a:stretch>
+                </p:blipFill>
+                <p:spPr>
+                  <a:xfrm>
+                    <a:off x="2699792" y="4149080"/>
+                    <a:ext cx="3744415" cy="2318344"/>
+                  </a:xfrm>
+                  <a:prstGeom prst="rect">
+                    <a:avLst/>
+                  </a:prstGeom>
+                </p:spPr>
+              </p:pic>
+              <p:sp>
+                <p:nvSpPr>
+                  <p:cNvPr id="80" name="모서리가 둥근 직사각형 79"/>
+                  <p:cNvSpPr/>
+                  <p:nvPr/>
+                </p:nvSpPr>
+                <p:spPr>
+                  <a:xfrm>
+                    <a:off x="5826100" y="4219071"/>
+                    <a:ext cx="541066" cy="196117"/>
+                  </a:xfrm>
+                  <a:prstGeom prst="roundRect">
+                    <a:avLst/>
+                  </a:prstGeom>
+                </p:spPr>
+                <p:style>
+                  <a:lnRef idx="2">
+                    <a:schemeClr val="accent1">
+                      <a:shade val="50000"/>
+                    </a:schemeClr>
+                  </a:lnRef>
+                  <a:fillRef idx="1">
+                    <a:schemeClr val="accent1"/>
+                  </a:fillRef>
+                  <a:effectRef idx="0">
+                    <a:schemeClr val="accent1"/>
+                  </a:effectRef>
+                  <a:fontRef idx="minor">
+                    <a:schemeClr val="lt1"/>
+                  </a:fontRef>
+                </p:style>
+                <p:txBody>
+                  <a:bodyPr rtlCol="0" anchor="ctr"/>
+                  <a:lstStyle/>
+                  <a:p>
+                    <a:pPr algn="ctr"/>
+                    <a:r>
+                      <a:rPr lang="ko-KR" altLang="en-US" sz="1200" b="1" dirty="0" smtClean="0"/>
+                      <a:t>메뉴</a:t>
+                    </a:r>
+                    <a:endParaRPr lang="ko-KR" altLang="en-US" sz="1200" b="1" dirty="0"/>
+                  </a:p>
+                </p:txBody>
+              </p:sp>
+              <p:pic>
+                <p:nvPicPr>
+                  <p:cNvPr id="81" name="Picture 11"/>
+                  <p:cNvPicPr>
+                    <a:picLocks noChangeAspect="1" noChangeArrowheads="1"/>
+                  </p:cNvPicPr>
+                  <p:nvPr/>
+                </p:nvPicPr>
+                <p:blipFill>
+                  <a:blip r:embed="rId4">
+                    <a:extLst>
+                      <a:ext uri="{28A0092B-C50C-407E-A947-70E740481C1C}">
+                        <a14:useLocalDpi xmlns:a14="http://schemas.microsoft.com/office/drawing/2010/main" val="0"/>
+                      </a:ext>
+                    </a:extLst>
+                  </a:blip>
+                  <a:srcRect/>
+                  <a:stretch>
+                    <a:fillRect/>
+                  </a:stretch>
+                </p:blipFill>
+                <p:spPr bwMode="auto">
+                  <a:xfrm>
+                    <a:off x="6122112" y="6153117"/>
+                    <a:ext cx="245054" cy="229851"/>
+                  </a:xfrm>
+                  <a:prstGeom prst="rect">
+                    <a:avLst/>
+                  </a:prstGeom>
+                  <a:noFill/>
+                  <a:ln>
+                    <a:noFill/>
+                  </a:ln>
+                  <a:effectLst/>
                   <a:extLst>
-                    <a:ext uri="{28A0092B-C50C-407E-A947-70E740481C1C}">
-                      <a14:useLocalDpi xmlns:a14="http://schemas.microsoft.com/office/drawing/2010/main" val="0"/>
+                    <a:ext uri="{909E8E84-426E-40DD-AFC4-6F175D3DCCD1}">
+                      <a14:hiddenFill xmlns:a14="http://schemas.microsoft.com/office/drawing/2010/main">
+                        <a:solidFill>
+                          <a:schemeClr val="accent1"/>
+                        </a:solidFill>
+                      </a14:hiddenFill>
+                    </a:ext>
+                    <a:ext uri="{91240B29-F687-4F45-9708-019B960494DF}">
+                      <a14:hiddenLine xmlns:a14="http://schemas.microsoft.com/office/drawing/2010/main" w="9525">
+                        <a:solidFill>
+                          <a:schemeClr val="tx1"/>
+                        </a:solidFill>
+                        <a:miter lim="800000"/>
+                        <a:headEnd/>
+                        <a:tailEnd/>
+                      </a14:hiddenLine>
+                    </a:ext>
+                    <a:ext uri="{AF507438-7753-43E0-B8FC-AC1667EBCBE1}">
+                      <a14:hiddenEffects xmlns:a14="http://schemas.microsoft.com/office/drawing/2010/main">
+                        <a:effectLst>
+                          <a:outerShdw dist="35921" dir="2700000" algn="ctr" rotWithShape="0">
+                            <a:schemeClr val="bg2"/>
+                          </a:outerShdw>
+                        </a:effectLst>
+                      </a14:hiddenEffects>
                     </a:ext>
                   </a:extLst>
-                </a:blip>
-                <a:stretch>
-                  <a:fillRect/>
-                </a:stretch>
-              </p:blipFill>
-              <p:spPr>
-                <a:xfrm>
-                  <a:off x="2699792" y="4149080"/>
-                  <a:ext cx="3744415" cy="2318344"/>
-                </a:xfrm>
-                <a:prstGeom prst="rect">
-                  <a:avLst/>
-                </a:prstGeom>
-              </p:spPr>
-            </p:pic>
+                </p:spPr>
+              </p:pic>
+              <p:pic>
+                <p:nvPicPr>
+                  <p:cNvPr id="84" name="그림 83"/>
+                  <p:cNvPicPr>
+                    <a:picLocks noChangeAspect="1"/>
+                  </p:cNvPicPr>
+                  <p:nvPr/>
+                </p:nvPicPr>
+                <p:blipFill>
+                  <a:blip r:embed="rId5" cstate="print">
+                    <a:extLst>
+                      <a:ext uri="{28A0092B-C50C-407E-A947-70E740481C1C}">
+                        <a14:useLocalDpi xmlns:a14="http://schemas.microsoft.com/office/drawing/2010/main" val="0"/>
+                      </a:ext>
+                    </a:extLst>
+                  </a:blip>
+                  <a:stretch>
+                    <a:fillRect/>
+                  </a:stretch>
+                </p:blipFill>
+                <p:spPr>
+                  <a:xfrm>
+                    <a:off x="4648497" y="5240101"/>
+                    <a:ext cx="1156772" cy="1085006"/>
+                  </a:xfrm>
+                  <a:prstGeom prst="rect">
+                    <a:avLst/>
+                  </a:prstGeom>
+                </p:spPr>
+              </p:pic>
+              <p:sp>
+                <p:nvSpPr>
+                  <p:cNvPr id="86" name="모서리가 둥근 직사각형 85"/>
+                  <p:cNvSpPr/>
+                  <p:nvPr/>
+                </p:nvSpPr>
+                <p:spPr>
+                  <a:xfrm>
+                    <a:off x="2826560" y="4219071"/>
+                    <a:ext cx="834491" cy="188675"/>
+                  </a:xfrm>
+                  <a:prstGeom prst="roundRect">
+                    <a:avLst/>
+                  </a:prstGeom>
+                </p:spPr>
+                <p:style>
+                  <a:lnRef idx="2">
+                    <a:schemeClr val="accent1">
+                      <a:shade val="50000"/>
+                    </a:schemeClr>
+                  </a:lnRef>
+                  <a:fillRef idx="1">
+                    <a:schemeClr val="accent1"/>
+                  </a:fillRef>
+                  <a:effectRef idx="0">
+                    <a:schemeClr val="accent1"/>
+                  </a:effectRef>
+                  <a:fontRef idx="minor">
+                    <a:schemeClr val="lt1"/>
+                  </a:fontRef>
+                </p:style>
+                <p:txBody>
+                  <a:bodyPr rtlCol="0" anchor="ctr"/>
+                  <a:lstStyle/>
+                  <a:p>
+                    <a:pPr algn="ctr"/>
+                    <a:r>
+                      <a:rPr lang="ko-KR" altLang="en-US" sz="1200" b="1" dirty="0" smtClean="0"/>
+                      <a:t>그림 그리기</a:t>
+                    </a:r>
+                    <a:endParaRPr lang="ko-KR" altLang="en-US" sz="1200" b="1" dirty="0"/>
+                  </a:p>
+                </p:txBody>
+              </p:sp>
+            </p:grpSp>
             <p:sp>
               <p:nvSpPr>
-                <p:cNvPr id="80" name="모서리가 둥근 직사각형 79"/>
-                <p:cNvSpPr/>
+                <p:cNvPr id="27" name="TextBox 26"/>
+                <p:cNvSpPr txBox="1"/>
                 <p:nvPr/>
               </p:nvSpPr>
               <p:spPr>
                 <a:xfrm>
-                  <a:off x="5826100" y="4219071"/>
-                  <a:ext cx="541066" cy="196117"/>
-                </a:xfrm>
-                <a:prstGeom prst="roundRect">
-                  <a:avLst/>
-                </a:prstGeom>
-              </p:spPr>
-              <p:style>
-                <a:lnRef idx="2">
-                  <a:schemeClr val="accent1">
-                    <a:shade val="50000"/>
-                  </a:schemeClr>
-                </a:lnRef>
-                <a:fillRef idx="1">
-                  <a:schemeClr val="accent1"/>
-                </a:fillRef>
-                <a:effectRef idx="0">
-                  <a:schemeClr val="accent1"/>
-                </a:effectRef>
-                <a:fontRef idx="minor">
-                  <a:schemeClr val="lt1"/>
-                </a:fontRef>
-              </p:style>
-              <p:txBody>
-                <a:bodyPr rtlCol="0" anchor="ctr"/>
-                <a:lstStyle/>
-                <a:p>
-                  <a:pPr algn="ctr"/>
-                  <a:r>
-                    <a:rPr lang="ko-KR" altLang="en-US" sz="1200" b="1" dirty="0" smtClean="0"/>
-                    <a:t>메뉴</a:t>
-                  </a:r>
-                  <a:endParaRPr lang="ko-KR" altLang="en-US" sz="1200" b="1" dirty="0"/>
-                </a:p>
-              </p:txBody>
-            </p:sp>
-            <p:pic>
-              <p:nvPicPr>
-                <p:cNvPr id="81" name="Picture 11"/>
-                <p:cNvPicPr>
-                  <a:picLocks noChangeAspect="1" noChangeArrowheads="1"/>
-                </p:cNvPicPr>
-                <p:nvPr/>
-              </p:nvPicPr>
-              <p:blipFill>
-                <a:blip r:embed="rId4">
-                  <a:extLst>
-                    <a:ext uri="{28A0092B-C50C-407E-A947-70E740481C1C}">
-                      <a14:useLocalDpi xmlns:a14="http://schemas.microsoft.com/office/drawing/2010/main" val="0"/>
-                    </a:ext>
-                  </a:extLst>
-                </a:blip>
-                <a:srcRect/>
-                <a:stretch>
-                  <a:fillRect/>
-                </a:stretch>
-              </p:blipFill>
-              <p:spPr bwMode="auto">
-                <a:xfrm>
-                  <a:off x="6122112" y="6153117"/>
-                  <a:ext cx="245054" cy="229851"/>
+                  <a:off x="2443044" y="1923717"/>
+                  <a:ext cx="415498" cy="369332"/>
                 </a:xfrm>
                 <a:prstGeom prst="rect">
                   <a:avLst/>
                 </a:prstGeom>
                 <a:noFill/>
-                <a:ln>
-                  <a:noFill/>
-                </a:ln>
-                <a:effectLst/>
-                <a:extLst>
-                  <a:ext uri="{909E8E84-426E-40DD-AFC4-6F175D3DCCD1}">
-                    <a14:hiddenFill xmlns:a14="http://schemas.microsoft.com/office/drawing/2010/main">
-                      <a:solidFill>
-                        <a:schemeClr val="accent1"/>
-                      </a:solidFill>
-                    </a14:hiddenFill>
-                  </a:ext>
-                  <a:ext uri="{91240B29-F687-4F45-9708-019B960494DF}">
-                    <a14:hiddenLine xmlns:a14="http://schemas.microsoft.com/office/drawing/2010/main" w="9525">
-                      <a:solidFill>
-                        <a:schemeClr val="tx1"/>
-                      </a:solidFill>
-                      <a:miter lim="800000"/>
-                      <a:headEnd/>
-                      <a:tailEnd/>
-                    </a14:hiddenLine>
-                  </a:ext>
-                  <a:ext uri="{AF507438-7753-43E0-B8FC-AC1667EBCBE1}">
-                    <a14:hiddenEffects xmlns:a14="http://schemas.microsoft.com/office/drawing/2010/main">
-                      <a:effectLst>
-                        <a:outerShdw dist="35921" dir="2700000" algn="ctr" rotWithShape="0">
-                          <a:schemeClr val="bg2"/>
-                        </a:outerShdw>
-                      </a:effectLst>
-                    </a14:hiddenEffects>
-                  </a:ext>
-                </a:extLst>
               </p:spPr>
-            </p:pic>
-            <p:pic>
-              <p:nvPicPr>
-                <p:cNvPr id="84" name="그림 83"/>
-                <p:cNvPicPr>
-                  <a:picLocks noChangeAspect="1"/>
-                </p:cNvPicPr>
+              <p:txBody>
+                <a:bodyPr wrap="none" rtlCol="0">
+                  <a:spAutoFit/>
+                </a:bodyPr>
+                <a:lstStyle/>
+                <a:p>
+                  <a:r>
+                    <a:rPr lang="ko-KR" altLang="en-US" b="1" dirty="0"/>
+                    <a:t>①</a:t>
+                  </a:r>
+                </a:p>
+              </p:txBody>
+            </p:sp>
+            <p:sp>
+              <p:nvSpPr>
+                <p:cNvPr id="28" name="TextBox 27"/>
+                <p:cNvSpPr txBox="1"/>
                 <p:nvPr/>
-              </p:nvPicPr>
-              <p:blipFill>
-                <a:blip r:embed="rId5" cstate="print">
-                  <a:extLst>
-                    <a:ext uri="{28A0092B-C50C-407E-A947-70E740481C1C}">
-                      <a14:useLocalDpi xmlns:a14="http://schemas.microsoft.com/office/drawing/2010/main" val="0"/>
-                    </a:ext>
-                  </a:extLst>
-                </a:blip>
-                <a:stretch>
-                  <a:fillRect/>
-                </a:stretch>
-              </p:blipFill>
+              </p:nvSpPr>
               <p:spPr>
                 <a:xfrm>
-                  <a:off x="4648497" y="5240101"/>
-                  <a:ext cx="1156772" cy="1085006"/>
+                  <a:off x="5567990" y="1923717"/>
+                  <a:ext cx="415498" cy="369332"/>
                 </a:xfrm>
                 <a:prstGeom prst="rect">
                   <a:avLst/>
                 </a:prstGeom>
+                <a:noFill/>
               </p:spPr>
-            </p:pic>
-            <p:sp>
-              <p:nvSpPr>
-                <p:cNvPr id="86" name="모서리가 둥근 직사각형 85"/>
-                <p:cNvSpPr/>
-                <p:nvPr/>
-              </p:nvSpPr>
-              <p:spPr>
-                <a:xfrm>
-                  <a:off x="2826560" y="4219071"/>
-                  <a:ext cx="834491" cy="188675"/>
-                </a:xfrm>
-                <a:prstGeom prst="roundRect">
-                  <a:avLst/>
-                </a:prstGeom>
-              </p:spPr>
-              <p:style>
-                <a:lnRef idx="2">
-                  <a:schemeClr val="accent1">
-                    <a:shade val="50000"/>
-                  </a:schemeClr>
-                </a:lnRef>
-                <a:fillRef idx="1">
-                  <a:schemeClr val="accent1"/>
-                </a:fillRef>
-                <a:effectRef idx="0">
-                  <a:schemeClr val="accent1"/>
-                </a:effectRef>
-                <a:fontRef idx="minor">
-                  <a:schemeClr val="lt1"/>
-                </a:fontRef>
-              </p:style>
               <p:txBody>
-                <a:bodyPr rtlCol="0" anchor="ctr"/>
+                <a:bodyPr wrap="none" rtlCol="0">
+                  <a:spAutoFit/>
+                </a:bodyPr>
                 <a:lstStyle/>
                 <a:p>
-                  <a:pPr algn="ctr"/>
                   <a:r>
-                    <a:rPr lang="ko-KR" altLang="en-US" sz="1200" b="1" dirty="0" smtClean="0"/>
-                    <a:t>그림 그리기</a:t>
+                    <a:rPr lang="ko-KR" altLang="en-US" b="1" dirty="0" smtClean="0"/>
+                    <a:t>②</a:t>
                   </a:r>
-                  <a:endParaRPr lang="ko-KR" altLang="en-US" sz="1200" b="1" dirty="0"/>
+                  <a:endParaRPr lang="ko-KR" altLang="en-US" b="1" dirty="0"/>
                 </a:p>
               </p:txBody>
             </p:sp>
           </p:grpSp>
           <p:sp>
             <p:nvSpPr>
-              <p:cNvPr id="27" name="TextBox 26"/>
+              <p:cNvPr id="31" name="TextBox 30"/>
               <p:cNvSpPr txBox="1"/>
               <p:nvPr/>
             </p:nvSpPr>
             <p:spPr>
               <a:xfrm>
-                <a:off x="2443044" y="1923717"/>
+                <a:off x="2619616" y="2348880"/>
                 <a:ext cx="415498" cy="369332"/>
               </a:xfrm>
               <a:prstGeom prst="rect">
@@ -9374,21 +8876,20 @@
               <a:p>
                 <a:r>
                   <a:rPr lang="ko-KR" altLang="en-US" b="1" dirty="0"/>
-                  <a:t>①</a:t>
+                  <a:t>③</a:t>
                 </a:r>
-                <a:endParaRPr lang="ko-KR" altLang="en-US" b="1" dirty="0"/>
               </a:p>
             </p:txBody>
           </p:sp>
           <p:sp>
             <p:nvSpPr>
-              <p:cNvPr id="28" name="TextBox 27"/>
+              <p:cNvPr id="32" name="TextBox 31"/>
               <p:cNvSpPr txBox="1"/>
               <p:nvPr/>
             </p:nvSpPr>
             <p:spPr>
               <a:xfrm>
-                <a:off x="5567990" y="1923717"/>
+                <a:off x="4435485" y="3652730"/>
                 <a:ext cx="415498" cy="369332"/>
               </a:xfrm>
               <a:prstGeom prst="rect">
@@ -9403,154 +8904,93 @@
               <a:lstStyle/>
               <a:p>
                 <a:r>
-                  <a:rPr lang="ko-KR" altLang="en-US" b="1" dirty="0" smtClean="0"/>
-                  <a:t>②</a:t>
+                  <a:rPr lang="ko-KR" altLang="en-US" b="1" dirty="0"/>
+                  <a:t>④</a:t>
                 </a:r>
-                <a:endParaRPr lang="ko-KR" altLang="en-US" b="1" dirty="0"/>
+              </a:p>
+            </p:txBody>
+          </p:sp>
+          <p:sp>
+            <p:nvSpPr>
+              <p:cNvPr id="33" name="TextBox 32"/>
+              <p:cNvSpPr txBox="1"/>
+              <p:nvPr/>
+            </p:nvSpPr>
+            <p:spPr>
+              <a:xfrm>
+                <a:off x="5443428" y="5101867"/>
+                <a:ext cx="415498" cy="369332"/>
+              </a:xfrm>
+              <a:prstGeom prst="rect">
+                <a:avLst/>
+              </a:prstGeom>
+              <a:noFill/>
+            </p:spPr>
+            <p:txBody>
+              <a:bodyPr wrap="none" rtlCol="0">
+                <a:spAutoFit/>
+              </a:bodyPr>
+              <a:lstStyle/>
+              <a:p>
+                <a:r>
+                  <a:rPr lang="ko-KR" altLang="en-US" b="1" dirty="0"/>
+                  <a:t>⑤</a:t>
+                </a:r>
+                <a:endParaRPr lang="en-US" altLang="ko-KR" b="1" dirty="0"/>
               </a:p>
             </p:txBody>
           </p:sp>
         </p:grpSp>
         <p:sp>
           <p:nvSpPr>
-            <p:cNvPr id="31" name="TextBox 30"/>
-            <p:cNvSpPr txBox="1"/>
+            <p:cNvPr id="23" name="포인트가 5개인 별 22"/>
+            <p:cNvSpPr/>
             <p:nvPr/>
           </p:nvSpPr>
           <p:spPr>
             <a:xfrm>
-              <a:off x="2619616" y="2348880"/>
-              <a:ext cx="415498" cy="369332"/>
+              <a:off x="2203990" y="2178079"/>
+              <a:ext cx="2217405" cy="1843983"/>
             </a:xfrm>
-            <a:prstGeom prst="rect">
+            <a:prstGeom prst="star5">
               <a:avLst/>
             </a:prstGeom>
             <a:noFill/>
+            <a:ln>
+              <a:solidFill>
+                <a:schemeClr val="tx2">
+                  <a:lumMod val="60000"/>
+                  <a:lumOff val="40000"/>
+                </a:schemeClr>
+              </a:solidFill>
+            </a:ln>
           </p:spPr>
+          <p:style>
+            <a:lnRef idx="2">
+              <a:schemeClr val="accent1">
+                <a:shade val="50000"/>
+              </a:schemeClr>
+            </a:lnRef>
+            <a:fillRef idx="1">
+              <a:schemeClr val="accent1"/>
+            </a:fillRef>
+            <a:effectRef idx="0">
+              <a:schemeClr val="accent1"/>
+            </a:effectRef>
+            <a:fontRef idx="minor">
+              <a:schemeClr val="lt1"/>
+            </a:fontRef>
+          </p:style>
           <p:txBody>
-            <a:bodyPr wrap="none" rtlCol="0">
-              <a:spAutoFit/>
-            </a:bodyPr>
+            <a:bodyPr rtlCol="0" anchor="ctr"/>
             <a:lstStyle/>
             <a:p>
-              <a:r>
-                <a:rPr lang="ko-KR" altLang="en-US" b="1" dirty="0"/>
-                <a:t>③</a:t>
-              </a:r>
-              <a:endParaRPr lang="ko-KR" altLang="en-US" b="1" dirty="0"/>
-            </a:p>
-          </p:txBody>
-        </p:sp>
-        <p:sp>
-          <p:nvSpPr>
-            <p:cNvPr id="32" name="TextBox 31"/>
-            <p:cNvSpPr txBox="1"/>
-            <p:nvPr/>
-          </p:nvSpPr>
-          <p:spPr>
-            <a:xfrm>
-              <a:off x="4435485" y="3652730"/>
-              <a:ext cx="415498" cy="369332"/>
-            </a:xfrm>
-            <a:prstGeom prst="rect">
-              <a:avLst/>
-            </a:prstGeom>
-            <a:noFill/>
-          </p:spPr>
-          <p:txBody>
-            <a:bodyPr wrap="none" rtlCol="0">
-              <a:spAutoFit/>
-            </a:bodyPr>
-            <a:lstStyle/>
-            <a:p>
-              <a:r>
-                <a:rPr lang="ko-KR" altLang="en-US" b="1" dirty="0"/>
-                <a:t>④</a:t>
-              </a:r>
-              <a:endParaRPr lang="ko-KR" altLang="en-US" b="1" dirty="0"/>
-            </a:p>
-          </p:txBody>
-        </p:sp>
-        <p:sp>
-          <p:nvSpPr>
-            <p:cNvPr id="33" name="TextBox 32"/>
-            <p:cNvSpPr txBox="1"/>
-            <p:nvPr/>
-          </p:nvSpPr>
-          <p:spPr>
-            <a:xfrm>
-              <a:off x="5443428" y="5101867"/>
-              <a:ext cx="415498" cy="369332"/>
-            </a:xfrm>
-            <a:prstGeom prst="rect">
-              <a:avLst/>
-            </a:prstGeom>
-            <a:noFill/>
-          </p:spPr>
-          <p:txBody>
-            <a:bodyPr wrap="none" rtlCol="0">
-              <a:spAutoFit/>
-            </a:bodyPr>
-            <a:lstStyle/>
-            <a:p>
-              <a:r>
-                <a:rPr lang="ko-KR" altLang="en-US" b="1" dirty="0"/>
-                <a:t>⑤</a:t>
-              </a:r>
-              <a:endParaRPr lang="en-US" altLang="ko-KR" b="1" dirty="0"/>
+              <a:pPr algn="ctr"/>
+              <a:endParaRPr lang="ko-KR" altLang="en-US"/>
             </a:p>
           </p:txBody>
         </p:sp>
       </p:grpSp>
-      <p:sp>
-        <p:nvSpPr>
-          <p:cNvPr id="23" name="포인트가 5개인 별 22"/>
-          <p:cNvSpPr/>
-          <p:nvPr/>
-        </p:nvSpPr>
-        <p:spPr>
-          <a:xfrm>
-            <a:off x="2203990" y="2178079"/>
-            <a:ext cx="2217405" cy="1843983"/>
-          </a:xfrm>
-          <a:prstGeom prst="star5">
-            <a:avLst/>
-          </a:prstGeom>
-          <a:noFill/>
-          <a:ln>
-            <a:solidFill>
-              <a:schemeClr val="tx2">
-                <a:lumMod val="60000"/>
-                <a:lumOff val="40000"/>
-              </a:schemeClr>
-            </a:solidFill>
-          </a:ln>
-        </p:spPr>
-        <p:style>
-          <a:lnRef idx="2">
-            <a:schemeClr val="accent1">
-              <a:shade val="50000"/>
-            </a:schemeClr>
-          </a:lnRef>
-          <a:fillRef idx="1">
-            <a:schemeClr val="accent1"/>
-          </a:fillRef>
-          <a:effectRef idx="0">
-            <a:schemeClr val="accent1"/>
-          </a:effectRef>
-          <a:fontRef idx="minor">
-            <a:schemeClr val="lt1"/>
-          </a:fontRef>
-        </p:style>
-        <p:txBody>
-          <a:bodyPr rtlCol="0" anchor="ctr"/>
-          <a:lstStyle/>
-          <a:p>
-            <a:pPr algn="ctr"/>
-            <a:endParaRPr lang="ko-KR" altLang="en-US"/>
-          </a:p>
-        </p:txBody>
-      </p:sp>
     </p:spTree>
     <p:extLst>
       <p:ext uri="{BB962C8B-B14F-4D97-AF65-F5344CB8AC3E}">
@@ -9858,7 +9298,15 @@
           <a:p>
             <a:r>
               <a:rPr lang="ko-KR" altLang="en-US" b="1" dirty="0" smtClean="0"/>
-              <a:t>⑤ 따라 그릴 그림 선택</a:t>
+              <a:t>⑤ </a:t>
+            </a:r>
+            <a:r>
+              <a:rPr lang="ko-KR" altLang="en-US" b="1" dirty="0" smtClean="0"/>
+              <a:t>그림 </a:t>
+            </a:r>
+            <a:r>
+              <a:rPr lang="ko-KR" altLang="en-US" b="1" dirty="0" smtClean="0"/>
+              <a:t>선택</a:t>
             </a:r>
             <a:endParaRPr lang="en-US" altLang="ko-KR" b="1" dirty="0" smtClean="0"/>
           </a:p>
@@ -9929,7 +9377,6 @@
                 <a:rPr lang="ko-KR" altLang="en-US" b="1" dirty="0"/>
                 <a:t>③</a:t>
               </a:r>
-              <a:endParaRPr lang="ko-KR" altLang="en-US" b="1" dirty="0"/>
             </a:p>
           </p:txBody>
         </p:sp>
@@ -9959,7 +9406,6 @@
                 <a:rPr lang="ko-KR" altLang="en-US" b="1" dirty="0"/>
                 <a:t>④</a:t>
               </a:r>
-              <a:endParaRPr lang="ko-KR" altLang="en-US" b="1" dirty="0"/>
             </a:p>
           </p:txBody>
         </p:sp>
@@ -10756,906 +10202,6 @@
           <a:p>
             <a:r>
               <a:rPr lang="en-US" altLang="ko-KR" b="1" dirty="0" smtClean="0"/>
-              <a:t>2. </a:t>
-            </a:r>
-            <a:r>
-              <a:rPr lang="ko-KR" altLang="en-US" b="1" dirty="0" smtClean="0"/>
-              <a:t>따라 그리기</a:t>
-            </a:r>
-            <a:endParaRPr lang="ko-KR" altLang="en-US" b="1" dirty="0"/>
-          </a:p>
-        </p:txBody>
-      </p:sp>
-      <p:sp>
-        <p:nvSpPr>
-          <p:cNvPr id="13" name="TextBox 12"/>
-          <p:cNvSpPr txBox="1"/>
-          <p:nvPr/>
-        </p:nvSpPr>
-        <p:spPr>
-          <a:xfrm>
-            <a:off x="6565615" y="1786172"/>
-            <a:ext cx="2578385" cy="3139321"/>
-          </a:xfrm>
-          <a:prstGeom prst="rect">
-            <a:avLst/>
-          </a:prstGeom>
-          <a:noFill/>
-        </p:spPr>
-        <p:txBody>
-          <a:bodyPr wrap="square" rtlCol="0">
-            <a:spAutoFit/>
-          </a:bodyPr>
-          <a:lstStyle/>
-          <a:p>
-            <a:r>
-              <a:rPr lang="ko-KR" altLang="en-US" b="1" dirty="0" smtClean="0"/>
-              <a:t>① 현재화면</a:t>
-            </a:r>
-            <a:endParaRPr lang="en-US" altLang="ko-KR" b="1" dirty="0" smtClean="0"/>
-          </a:p>
-          <a:p>
-            <a:r>
-              <a:rPr lang="ko-KR" altLang="en-US" b="1" dirty="0" smtClean="0"/>
-              <a:t>②</a:t>
-            </a:r>
-            <a:r>
-              <a:rPr lang="ko-KR" altLang="en-US" b="1" dirty="0"/>
-              <a:t> </a:t>
-            </a:r>
-            <a:r>
-              <a:rPr lang="ko-KR" altLang="en-US" b="1" dirty="0" smtClean="0"/>
-              <a:t>메뉴</a:t>
-            </a:r>
-            <a:endParaRPr lang="en-US" altLang="ko-KR" b="1" dirty="0" smtClean="0"/>
-          </a:p>
-          <a:p>
-            <a:r>
-              <a:rPr lang="en-US" altLang="ko-KR" b="1" dirty="0"/>
-              <a:t>-</a:t>
-            </a:r>
-            <a:r>
-              <a:rPr lang="ko-KR" altLang="en-US" b="1" dirty="0" smtClean="0"/>
-              <a:t>그림 그리기</a:t>
-            </a:r>
-            <a:endParaRPr lang="en-US" altLang="ko-KR" b="1" dirty="0" smtClean="0"/>
-          </a:p>
-          <a:p>
-            <a:r>
-              <a:rPr lang="en-US" altLang="ko-KR" b="1" dirty="0" smtClean="0"/>
-              <a:t>-</a:t>
-            </a:r>
-            <a:r>
-              <a:rPr lang="ko-KR" altLang="en-US" b="1" dirty="0" smtClean="0"/>
-              <a:t>따라 그리기</a:t>
-            </a:r>
-            <a:endParaRPr lang="en-US" altLang="ko-KR" b="1" dirty="0"/>
-          </a:p>
-          <a:p>
-            <a:r>
-              <a:rPr lang="en-US" altLang="ko-KR" b="1" dirty="0" smtClean="0"/>
-              <a:t>-</a:t>
-            </a:r>
-            <a:r>
-              <a:rPr lang="ko-KR" altLang="en-US" b="1" dirty="0" smtClean="0"/>
-              <a:t>도형 만들기</a:t>
-            </a:r>
-            <a:endParaRPr lang="en-US" altLang="ko-KR" b="1" dirty="0"/>
-          </a:p>
-          <a:p>
-            <a:r>
-              <a:rPr lang="en-US" altLang="ko-KR" b="1" dirty="0" smtClean="0"/>
-              <a:t>-</a:t>
-            </a:r>
-            <a:r>
-              <a:rPr lang="ko-KR" altLang="en-US" b="1" dirty="0" smtClean="0"/>
-              <a:t>색칠하기</a:t>
-            </a:r>
-            <a:r>
-              <a:rPr lang="en-US" altLang="ko-KR" b="1" dirty="0" smtClean="0"/>
-              <a:t> </a:t>
-            </a:r>
-          </a:p>
-          <a:p>
-            <a:r>
-              <a:rPr lang="en-US" altLang="ko-KR" b="1" dirty="0" smtClean="0"/>
-              <a:t>-</a:t>
-            </a:r>
-            <a:r>
-              <a:rPr lang="ko-KR" altLang="en-US" b="1" dirty="0" smtClean="0"/>
-              <a:t>움직이는 그림</a:t>
-            </a:r>
-            <a:endParaRPr lang="en-US" altLang="ko-KR" b="1" dirty="0" smtClean="0"/>
-          </a:p>
-          <a:p>
-            <a:r>
-              <a:rPr lang="ko-KR" altLang="en-US" b="1" dirty="0" smtClean="0"/>
-              <a:t>③ 현재 선택한 도형</a:t>
-            </a:r>
-            <a:endParaRPr lang="en-US" altLang="ko-KR" b="1" dirty="0" smtClean="0"/>
-          </a:p>
-          <a:p>
-            <a:r>
-              <a:rPr lang="ko-KR" altLang="en-US" b="1" dirty="0" smtClean="0"/>
-              <a:t>④ 현재 작업중인 손</a:t>
-            </a:r>
-            <a:endParaRPr lang="en-US" altLang="ko-KR" b="1" dirty="0" smtClean="0"/>
-          </a:p>
-          <a:p>
-            <a:r>
-              <a:rPr lang="ko-KR" altLang="en-US" b="1" dirty="0" smtClean="0"/>
-              <a:t>⑤ 도형 선택</a:t>
-            </a:r>
-            <a:endParaRPr lang="en-US" altLang="ko-KR" b="1" dirty="0" smtClean="0"/>
-          </a:p>
-          <a:p>
-            <a:r>
-              <a:rPr lang="ko-KR" altLang="en-US" b="1" dirty="0" smtClean="0"/>
-              <a:t>⑥</a:t>
-            </a:r>
-            <a:r>
-              <a:rPr lang="en-US" altLang="ko-KR" b="1" dirty="0"/>
-              <a:t> </a:t>
-            </a:r>
-            <a:r>
-              <a:rPr lang="ko-KR" altLang="en-US" b="1" dirty="0" smtClean="0"/>
-              <a:t>색상 선택</a:t>
-            </a:r>
-            <a:endParaRPr lang="ko-KR" altLang="en-US" dirty="0"/>
-          </a:p>
-        </p:txBody>
-      </p:sp>
-      <p:grpSp>
-        <p:nvGrpSpPr>
-          <p:cNvPr id="27" name="그룹 26"/>
-          <p:cNvGrpSpPr/>
-          <p:nvPr/>
-        </p:nvGrpSpPr>
-        <p:grpSpPr>
-          <a:xfrm>
-            <a:off x="414921" y="1661376"/>
-            <a:ext cx="6040200" cy="3999871"/>
-            <a:chOff x="414921" y="1661376"/>
-            <a:chExt cx="6040200" cy="3999871"/>
-          </a:xfrm>
-        </p:grpSpPr>
-        <p:grpSp>
-          <p:nvGrpSpPr>
-            <p:cNvPr id="28" name="그룹 27"/>
-            <p:cNvGrpSpPr/>
-            <p:nvPr/>
-          </p:nvGrpSpPr>
-          <p:grpSpPr>
-            <a:xfrm>
-              <a:off x="414921" y="1707306"/>
-              <a:ext cx="6040200" cy="3953941"/>
-              <a:chOff x="251535" y="4471579"/>
-              <a:chExt cx="2595316" cy="1656951"/>
-            </a:xfrm>
-          </p:grpSpPr>
-          <p:pic>
-            <p:nvPicPr>
-              <p:cNvPr id="35" name="그림 34"/>
-              <p:cNvPicPr>
-                <a:picLocks noChangeAspect="1"/>
-              </p:cNvPicPr>
-              <p:nvPr/>
-            </p:nvPicPr>
-            <p:blipFill>
-              <a:blip r:embed="rId3" cstate="print">
-                <a:extLst>
-                  <a:ext uri="{28A0092B-C50C-407E-A947-70E740481C1C}">
-                    <a14:useLocalDpi xmlns:a14="http://schemas.microsoft.com/office/drawing/2010/main" val="0"/>
-                  </a:ext>
-                </a:extLst>
-              </a:blip>
-              <a:stretch>
-                <a:fillRect/>
-              </a:stretch>
-            </p:blipFill>
-            <p:spPr>
-              <a:xfrm>
-                <a:off x="251535" y="4471579"/>
-                <a:ext cx="2595316" cy="1656950"/>
-              </a:xfrm>
-              <a:prstGeom prst="rect">
-                <a:avLst/>
-              </a:prstGeom>
-            </p:spPr>
-          </p:pic>
-          <p:sp>
-            <p:nvSpPr>
-              <p:cNvPr id="36" name="모서리가 둥근 직사각형 35"/>
-              <p:cNvSpPr/>
-              <p:nvPr/>
-            </p:nvSpPr>
-            <p:spPr>
-              <a:xfrm>
-                <a:off x="2414349" y="4522210"/>
-                <a:ext cx="378552" cy="146287"/>
-              </a:xfrm>
-              <a:prstGeom prst="roundRect">
-                <a:avLst/>
-              </a:prstGeom>
-            </p:spPr>
-            <p:style>
-              <a:lnRef idx="2">
-                <a:schemeClr val="accent1">
-                  <a:shade val="50000"/>
-                </a:schemeClr>
-              </a:lnRef>
-              <a:fillRef idx="1">
-                <a:schemeClr val="accent1"/>
-              </a:fillRef>
-              <a:effectRef idx="0">
-                <a:schemeClr val="accent1"/>
-              </a:effectRef>
-              <a:fontRef idx="minor">
-                <a:schemeClr val="lt1"/>
-              </a:fontRef>
-            </p:style>
-            <p:txBody>
-              <a:bodyPr rtlCol="0" anchor="ctr"/>
-              <a:lstStyle/>
-              <a:p>
-                <a:pPr algn="ctr"/>
-                <a:r>
-                  <a:rPr lang="ko-KR" altLang="en-US" sz="1200" b="1" dirty="0" smtClean="0"/>
-                  <a:t>메뉴</a:t>
-                </a:r>
-                <a:endParaRPr lang="ko-KR" altLang="en-US" sz="1200" b="1" dirty="0"/>
-              </a:p>
-            </p:txBody>
-          </p:sp>
-          <p:sp>
-            <p:nvSpPr>
-              <p:cNvPr id="37" name="모서리가 둥근 직사각형 36"/>
-              <p:cNvSpPr/>
-              <p:nvPr/>
-            </p:nvSpPr>
-            <p:spPr>
-              <a:xfrm>
-                <a:off x="315749" y="5918352"/>
-                <a:ext cx="471895" cy="157110"/>
-              </a:xfrm>
-              <a:prstGeom prst="roundRect">
-                <a:avLst/>
-              </a:prstGeom>
-            </p:spPr>
-            <p:style>
-              <a:lnRef idx="2">
-                <a:schemeClr val="accent1">
-                  <a:shade val="50000"/>
-                </a:schemeClr>
-              </a:lnRef>
-              <a:fillRef idx="1">
-                <a:schemeClr val="accent1"/>
-              </a:fillRef>
-              <a:effectRef idx="0">
-                <a:schemeClr val="accent1"/>
-              </a:effectRef>
-              <a:fontRef idx="minor">
-                <a:schemeClr val="lt1"/>
-              </a:fontRef>
-            </p:style>
-            <p:txBody>
-              <a:bodyPr rtlCol="0" anchor="ctr"/>
-              <a:lstStyle/>
-              <a:p>
-                <a:pPr algn="ctr"/>
-                <a:r>
-                  <a:rPr lang="ko-KR" altLang="en-US" sz="1200" b="1" dirty="0" smtClean="0"/>
-                  <a:t>도형 선택</a:t>
-                </a:r>
-                <a:endParaRPr lang="ko-KR" altLang="en-US" sz="1200" b="1" dirty="0"/>
-              </a:p>
-            </p:txBody>
-          </p:sp>
-          <p:pic>
-            <p:nvPicPr>
-              <p:cNvPr id="38" name="Picture 11"/>
-              <p:cNvPicPr>
-                <a:picLocks noChangeAspect="1" noChangeArrowheads="1"/>
-              </p:cNvPicPr>
-              <p:nvPr/>
-            </p:nvPicPr>
-            <p:blipFill>
-              <a:blip r:embed="rId4">
-                <a:extLst>
-                  <a:ext uri="{28A0092B-C50C-407E-A947-70E740481C1C}">
-                    <a14:useLocalDpi xmlns:a14="http://schemas.microsoft.com/office/drawing/2010/main" val="0"/>
-                  </a:ext>
-                </a:extLst>
-              </a:blip>
-              <a:srcRect/>
-              <a:stretch>
-                <a:fillRect/>
-              </a:stretch>
-            </p:blipFill>
-            <p:spPr bwMode="auto">
-              <a:xfrm>
-                <a:off x="2639772" y="5917299"/>
-                <a:ext cx="171450" cy="171450"/>
-              </a:xfrm>
-              <a:prstGeom prst="rect">
-                <a:avLst/>
-              </a:prstGeom>
-              <a:noFill/>
-              <a:ln>
-                <a:noFill/>
-              </a:ln>
-              <a:effectLst/>
-              <a:extLst>
-                <a:ext uri="{909E8E84-426E-40DD-AFC4-6F175D3DCCD1}">
-                  <a14:hiddenFill xmlns:a14="http://schemas.microsoft.com/office/drawing/2010/main">
-                    <a:solidFill>
-                      <a:schemeClr val="accent1"/>
-                    </a:solidFill>
-                  </a14:hiddenFill>
-                </a:ext>
-                <a:ext uri="{91240B29-F687-4F45-9708-019B960494DF}">
-                  <a14:hiddenLine xmlns:a14="http://schemas.microsoft.com/office/drawing/2010/main" w="9525">
-                    <a:solidFill>
-                      <a:schemeClr val="tx1"/>
-                    </a:solidFill>
-                    <a:miter lim="800000"/>
-                    <a:headEnd/>
-                    <a:tailEnd/>
-                  </a14:hiddenLine>
-                </a:ext>
-                <a:ext uri="{AF507438-7753-43E0-B8FC-AC1667EBCBE1}">
-                  <a14:hiddenEffects xmlns:a14="http://schemas.microsoft.com/office/drawing/2010/main">
-                    <a:effectLst>
-                      <a:outerShdw dist="35921" dir="2700000" algn="ctr" rotWithShape="0">
-                        <a:schemeClr val="bg2"/>
-                      </a:outerShdw>
-                    </a:effectLst>
-                  </a14:hiddenEffects>
-                </a:ext>
-              </a:extLst>
-            </p:spPr>
-          </p:pic>
-          <p:sp>
-            <p:nvSpPr>
-              <p:cNvPr id="39" name="원통 38"/>
-              <p:cNvSpPr/>
-              <p:nvPr/>
-            </p:nvSpPr>
-            <p:spPr>
-              <a:xfrm>
-                <a:off x="1277634" y="5011912"/>
-                <a:ext cx="612068" cy="619569"/>
-              </a:xfrm>
-              <a:prstGeom prst="can">
-                <a:avLst/>
-              </a:prstGeom>
-              <a:solidFill>
-                <a:schemeClr val="tx2">
-                  <a:lumMod val="60000"/>
-                  <a:lumOff val="40000"/>
-                </a:schemeClr>
-              </a:solidFill>
-              <a:ln>
-                <a:solidFill>
-                  <a:schemeClr val="accent1">
-                    <a:lumMod val="75000"/>
-                  </a:schemeClr>
-                </a:solidFill>
-              </a:ln>
-            </p:spPr>
-            <p:style>
-              <a:lnRef idx="2">
-                <a:schemeClr val="accent1">
-                  <a:shade val="50000"/>
-                </a:schemeClr>
-              </a:lnRef>
-              <a:fillRef idx="1">
-                <a:schemeClr val="accent1"/>
-              </a:fillRef>
-              <a:effectRef idx="0">
-                <a:schemeClr val="accent1"/>
-              </a:effectRef>
-              <a:fontRef idx="minor">
-                <a:schemeClr val="lt1"/>
-              </a:fontRef>
-            </p:style>
-            <p:txBody>
-              <a:bodyPr rtlCol="0" anchor="ctr"/>
-              <a:lstStyle/>
-              <a:p>
-                <a:pPr algn="ctr"/>
-                <a:endParaRPr lang="ko-KR" altLang="en-US"/>
-              </a:p>
-            </p:txBody>
-          </p:sp>
-          <p:pic>
-            <p:nvPicPr>
-              <p:cNvPr id="40" name="그림 39"/>
-              <p:cNvPicPr>
-                <a:picLocks noChangeAspect="1"/>
-              </p:cNvPicPr>
-              <p:nvPr/>
-            </p:nvPicPr>
-            <p:blipFill>
-              <a:blip r:embed="rId5" cstate="print">
-                <a:extLst>
-                  <a:ext uri="{28A0092B-C50C-407E-A947-70E740481C1C}">
-                    <a14:useLocalDpi xmlns:a14="http://schemas.microsoft.com/office/drawing/2010/main" val="0"/>
-                  </a:ext>
-                </a:extLst>
-              </a:blip>
-              <a:stretch>
-                <a:fillRect/>
-              </a:stretch>
-            </p:blipFill>
-            <p:spPr>
-              <a:xfrm rot="16200000">
-                <a:off x="1599806" y="4471579"/>
-                <a:ext cx="836006" cy="836006"/>
-              </a:xfrm>
-              <a:prstGeom prst="rect">
-                <a:avLst/>
-              </a:prstGeom>
-            </p:spPr>
-          </p:pic>
-          <p:pic>
-            <p:nvPicPr>
-              <p:cNvPr id="41" name="그림 40"/>
-              <p:cNvPicPr>
-                <a:picLocks noChangeAspect="1"/>
-              </p:cNvPicPr>
-              <p:nvPr/>
-            </p:nvPicPr>
-            <p:blipFill>
-              <a:blip r:embed="rId6" cstate="print">
-                <a:extLst>
-                  <a:ext uri="{28A0092B-C50C-407E-A947-70E740481C1C}">
-                    <a14:useLocalDpi xmlns:a14="http://schemas.microsoft.com/office/drawing/2010/main" val="0"/>
-                  </a:ext>
-                </a:extLst>
-              </a:blip>
-              <a:stretch>
-                <a:fillRect/>
-              </a:stretch>
-            </p:blipFill>
-            <p:spPr>
-              <a:xfrm flipH="1">
-                <a:off x="746907" y="5344198"/>
-                <a:ext cx="784332" cy="784332"/>
-              </a:xfrm>
-              <a:prstGeom prst="rect">
-                <a:avLst/>
-              </a:prstGeom>
-            </p:spPr>
-          </p:pic>
-          <p:sp>
-            <p:nvSpPr>
-              <p:cNvPr id="42" name="모서리가 둥근 직사각형 41"/>
-              <p:cNvSpPr/>
-              <p:nvPr/>
-            </p:nvSpPr>
-            <p:spPr>
-              <a:xfrm>
-                <a:off x="315748" y="4522210"/>
-                <a:ext cx="583844" cy="140736"/>
-              </a:xfrm>
-              <a:prstGeom prst="roundRect">
-                <a:avLst/>
-              </a:prstGeom>
-            </p:spPr>
-            <p:style>
-              <a:lnRef idx="2">
-                <a:schemeClr val="accent1">
-                  <a:shade val="50000"/>
-                </a:schemeClr>
-              </a:lnRef>
-              <a:fillRef idx="1">
-                <a:schemeClr val="accent1"/>
-              </a:fillRef>
-              <a:effectRef idx="0">
-                <a:schemeClr val="accent1"/>
-              </a:effectRef>
-              <a:fontRef idx="minor">
-                <a:schemeClr val="lt1"/>
-              </a:fontRef>
-            </p:style>
-            <p:txBody>
-              <a:bodyPr rtlCol="0" anchor="ctr"/>
-              <a:lstStyle/>
-              <a:p>
-                <a:pPr algn="ctr"/>
-                <a:r>
-                  <a:rPr lang="ko-KR" altLang="en-US" sz="1200" b="1" dirty="0" smtClean="0"/>
-                  <a:t>도형 만들기</a:t>
-                </a:r>
-                <a:endParaRPr lang="ko-KR" altLang="en-US" sz="1200" b="1" dirty="0"/>
-              </a:p>
-            </p:txBody>
-          </p:sp>
-        </p:grpSp>
-        <p:sp>
-          <p:nvSpPr>
-            <p:cNvPr id="43" name="직사각형 42"/>
-            <p:cNvSpPr/>
-            <p:nvPr/>
-          </p:nvSpPr>
-          <p:spPr>
-            <a:xfrm>
-              <a:off x="1880840" y="1786172"/>
-              <a:ext cx="415498" cy="369332"/>
-            </a:xfrm>
-            <a:prstGeom prst="rect">
-              <a:avLst/>
-            </a:prstGeom>
-          </p:spPr>
-          <p:txBody>
-            <a:bodyPr wrap="none">
-              <a:spAutoFit/>
-            </a:bodyPr>
-            <a:lstStyle/>
-            <a:p>
-              <a:r>
-                <a:rPr lang="ko-KR" altLang="en-US" b="1" dirty="0"/>
-                <a:t>①</a:t>
-              </a:r>
-              <a:endParaRPr lang="ko-KR" altLang="en-US" dirty="0"/>
-            </a:p>
-          </p:txBody>
-        </p:sp>
-        <p:sp>
-          <p:nvSpPr>
-            <p:cNvPr id="11" name="직사각형 10"/>
-            <p:cNvSpPr/>
-            <p:nvPr/>
-          </p:nvSpPr>
-          <p:spPr>
-            <a:xfrm>
-              <a:off x="5082993" y="1661376"/>
-              <a:ext cx="415498" cy="369332"/>
-            </a:xfrm>
-            <a:prstGeom prst="rect">
-              <a:avLst/>
-            </a:prstGeom>
-          </p:spPr>
-          <p:txBody>
-            <a:bodyPr wrap="none">
-              <a:spAutoFit/>
-            </a:bodyPr>
-            <a:lstStyle/>
-            <a:p>
-              <a:r>
-                <a:rPr lang="ko-KR" altLang="en-US" b="1" dirty="0"/>
-                <a:t>②</a:t>
-              </a:r>
-              <a:endParaRPr lang="ko-KR" altLang="en-US" dirty="0"/>
-            </a:p>
-          </p:txBody>
-        </p:sp>
-        <p:sp>
-          <p:nvSpPr>
-            <p:cNvPr id="12" name="직사각형 11"/>
-            <p:cNvSpPr/>
-            <p:nvPr/>
-          </p:nvSpPr>
-          <p:spPr>
-            <a:xfrm>
-              <a:off x="2500647" y="2704407"/>
-              <a:ext cx="415498" cy="369332"/>
-            </a:xfrm>
-            <a:prstGeom prst="rect">
-              <a:avLst/>
-            </a:prstGeom>
-          </p:spPr>
-          <p:txBody>
-            <a:bodyPr wrap="none">
-              <a:spAutoFit/>
-            </a:bodyPr>
-            <a:lstStyle/>
-            <a:p>
-              <a:r>
-                <a:rPr lang="ko-KR" altLang="en-US" b="1" dirty="0"/>
-                <a:t>③</a:t>
-              </a:r>
-              <a:endParaRPr lang="ko-KR" altLang="en-US" dirty="0"/>
-            </a:p>
-          </p:txBody>
-        </p:sp>
-        <p:sp>
-          <p:nvSpPr>
-            <p:cNvPr id="14" name="직사각형 13"/>
-            <p:cNvSpPr/>
-            <p:nvPr/>
-          </p:nvSpPr>
-          <p:spPr>
-            <a:xfrm>
-              <a:off x="1977667" y="3868481"/>
-              <a:ext cx="415498" cy="369332"/>
-            </a:xfrm>
-            <a:prstGeom prst="rect">
-              <a:avLst/>
-            </a:prstGeom>
-          </p:spPr>
-          <p:txBody>
-            <a:bodyPr wrap="none">
-              <a:spAutoFit/>
-            </a:bodyPr>
-            <a:lstStyle/>
-            <a:p>
-              <a:r>
-                <a:rPr lang="ko-KR" altLang="en-US" b="1" dirty="0"/>
-                <a:t>④</a:t>
-              </a:r>
-              <a:endParaRPr lang="ko-KR" altLang="en-US" dirty="0"/>
-            </a:p>
-          </p:txBody>
-        </p:sp>
-        <p:sp>
-          <p:nvSpPr>
-            <p:cNvPr id="15" name="직사각형 14"/>
-            <p:cNvSpPr/>
-            <p:nvPr/>
-          </p:nvSpPr>
-          <p:spPr>
-            <a:xfrm>
-              <a:off x="905751" y="4757507"/>
-              <a:ext cx="415498" cy="369332"/>
-            </a:xfrm>
-            <a:prstGeom prst="rect">
-              <a:avLst/>
-            </a:prstGeom>
-          </p:spPr>
-          <p:txBody>
-            <a:bodyPr wrap="none">
-              <a:spAutoFit/>
-            </a:bodyPr>
-            <a:lstStyle/>
-            <a:p>
-              <a:r>
-                <a:rPr lang="ko-KR" altLang="en-US" b="1" dirty="0"/>
-                <a:t>⑤</a:t>
-              </a:r>
-              <a:endParaRPr lang="ko-KR" altLang="en-US" dirty="0"/>
-            </a:p>
-          </p:txBody>
-        </p:sp>
-        <p:sp>
-          <p:nvSpPr>
-            <p:cNvPr id="16" name="직사각형 15"/>
-            <p:cNvSpPr/>
-            <p:nvPr/>
-          </p:nvSpPr>
-          <p:spPr>
-            <a:xfrm>
-              <a:off x="5528720" y="5126839"/>
-              <a:ext cx="415498" cy="369332"/>
-            </a:xfrm>
-            <a:prstGeom prst="rect">
-              <a:avLst/>
-            </a:prstGeom>
-          </p:spPr>
-          <p:txBody>
-            <a:bodyPr wrap="none">
-              <a:spAutoFit/>
-            </a:bodyPr>
-            <a:lstStyle/>
-            <a:p>
-              <a:r>
-                <a:rPr lang="ko-KR" altLang="en-US" b="1" dirty="0"/>
-                <a:t>⑥</a:t>
-              </a:r>
-              <a:endParaRPr lang="ko-KR" altLang="en-US" dirty="0"/>
-            </a:p>
-          </p:txBody>
-        </p:sp>
-        <p:sp>
-          <p:nvSpPr>
-            <p:cNvPr id="44" name="직사각형 43"/>
-            <p:cNvSpPr/>
-            <p:nvPr/>
-          </p:nvSpPr>
-          <p:spPr>
-            <a:xfrm>
-              <a:off x="3789746" y="2039119"/>
-              <a:ext cx="415498" cy="369332"/>
-            </a:xfrm>
-            <a:prstGeom prst="rect">
-              <a:avLst/>
-            </a:prstGeom>
-          </p:spPr>
-          <p:txBody>
-            <a:bodyPr wrap="none">
-              <a:spAutoFit/>
-            </a:bodyPr>
-            <a:lstStyle/>
-            <a:p>
-              <a:r>
-                <a:rPr lang="ko-KR" altLang="en-US" b="1" dirty="0"/>
-                <a:t>④</a:t>
-              </a:r>
-              <a:endParaRPr lang="ko-KR" altLang="en-US" dirty="0"/>
-            </a:p>
-          </p:txBody>
-        </p:sp>
-      </p:grpSp>
-    </p:spTree>
-    <p:extLst>
-      <p:ext uri="{BB962C8B-B14F-4D97-AF65-F5344CB8AC3E}">
-        <p14:creationId xmlns:p14="http://schemas.microsoft.com/office/powerpoint/2010/main" val="2435807927"/>
-      </p:ext>
-    </p:extLst>
-  </p:cSld>
-  <p:clrMapOvr>
-    <a:masterClrMapping/>
-  </p:clrMapOvr>
-  <p:timing>
-    <p:tnLst>
-      <p:par>
-        <p:cTn id="1" dur="indefinite" restart="never" nodeType="tmRoot"/>
-      </p:par>
-    </p:tnLst>
-  </p:timing>
-</p:sld>
-</file>
-
-<file path=ppt/slides/slide7.xml><?xml version="1.0" encoding="utf-8"?>
-<p:sld xmlns:a="http://schemas.openxmlformats.org/drawingml/2006/main" xmlns:r="http://schemas.openxmlformats.org/officeDocument/2006/relationships" xmlns:p="http://schemas.openxmlformats.org/presentationml/2006/main">
-  <p:cSld>
-    <p:spTree>
-      <p:nvGrpSpPr>
-        <p:cNvPr id="1" name=""/>
-        <p:cNvGrpSpPr/>
-        <p:nvPr/>
-      </p:nvGrpSpPr>
-      <p:grpSpPr>
-        <a:xfrm>
-          <a:off x="0" y="0"/>
-          <a:ext cx="0" cy="0"/>
-          <a:chOff x="0" y="0"/>
-          <a:chExt cx="0" cy="0"/>
-        </a:xfrm>
-      </p:grpSpPr>
-      <p:sp>
-        <p:nvSpPr>
-          <p:cNvPr id="4" name="슬라이드 번호 개체 틀 3"/>
-          <p:cNvSpPr>
-            <a:spLocks noGrp="1"/>
-          </p:cNvSpPr>
-          <p:nvPr>
-            <p:ph type="sldNum" sz="quarter" idx="12"/>
-          </p:nvPr>
-        </p:nvSpPr>
-        <p:spPr>
-          <a:xfrm>
-            <a:off x="8244408" y="6356350"/>
-            <a:ext cx="442392" cy="365125"/>
-          </a:xfrm>
-        </p:spPr>
-        <p:txBody>
-          <a:bodyPr/>
-          <a:lstStyle/>
-          <a:p>
-            <a:fld id="{DCCC80DD-AB2E-4718-90F4-1564A6642ACA}" type="slidenum">
-              <a:rPr lang="ko-KR" altLang="en-US" smtClean="0"/>
-              <a:t>7</a:t>
-            </a:fld>
-            <a:endParaRPr lang="ko-KR" altLang="en-US"/>
-          </a:p>
-        </p:txBody>
-      </p:sp>
-      <p:sp>
-        <p:nvSpPr>
-          <p:cNvPr id="17" name="모서리가 둥근 직사각형 16"/>
-          <p:cNvSpPr/>
-          <p:nvPr/>
-        </p:nvSpPr>
-        <p:spPr>
-          <a:xfrm>
-            <a:off x="755576" y="116632"/>
-            <a:ext cx="6048672" cy="720080"/>
-          </a:xfrm>
-          <a:prstGeom prst="roundRect">
-            <a:avLst/>
-          </a:prstGeom>
-          <a:ln/>
-        </p:spPr>
-        <p:style>
-          <a:lnRef idx="3">
-            <a:schemeClr val="lt1"/>
-          </a:lnRef>
-          <a:fillRef idx="1">
-            <a:schemeClr val="accent6"/>
-          </a:fillRef>
-          <a:effectRef idx="1">
-            <a:schemeClr val="accent6"/>
-          </a:effectRef>
-          <a:fontRef idx="minor">
-            <a:schemeClr val="lt1"/>
-          </a:fontRef>
-        </p:style>
-        <p:txBody>
-          <a:bodyPr rtlCol="0" anchor="ctr"/>
-          <a:lstStyle/>
-          <a:p>
-            <a:pPr algn="ctr"/>
-            <a:r>
-              <a:rPr lang="en-US" altLang="ko-KR" sz="4000" dirty="0" smtClean="0">
-                <a:latin typeface="타이포_뽀로로 M" panose="02020503020101020101" pitchFamily="18" charset="-127"/>
-                <a:ea typeface="타이포_뽀로로 M" panose="02020503020101020101" pitchFamily="18" charset="-127"/>
-              </a:rPr>
-              <a:t>User Interface</a:t>
-            </a:r>
-            <a:endParaRPr lang="ko-KR" altLang="en-US" sz="4000" dirty="0">
-              <a:latin typeface="타이포_뽀로로 M" panose="02020503020101020101" pitchFamily="18" charset="-127"/>
-              <a:ea typeface="타이포_뽀로로 M" panose="02020503020101020101" pitchFamily="18" charset="-127"/>
-            </a:endParaRPr>
-          </a:p>
-        </p:txBody>
-      </p:sp>
-      <p:pic>
-        <p:nvPicPr>
-          <p:cNvPr id="18" name="Picture 4" descr="C:\Users\HYP\Desktop\어피치.png"/>
-          <p:cNvPicPr>
-            <a:picLocks noChangeAspect="1" noChangeArrowheads="1"/>
-          </p:cNvPicPr>
-          <p:nvPr/>
-        </p:nvPicPr>
-        <p:blipFill>
-          <a:blip r:embed="rId2">
-            <a:extLst>
-              <a:ext uri="{28A0092B-C50C-407E-A947-70E740481C1C}">
-                <a14:useLocalDpi xmlns:a14="http://schemas.microsoft.com/office/drawing/2010/main" val="0"/>
-              </a:ext>
-            </a:extLst>
-          </a:blip>
-          <a:srcRect/>
-          <a:stretch>
-            <a:fillRect/>
-          </a:stretch>
-        </p:blipFill>
-        <p:spPr bwMode="auto">
-          <a:xfrm>
-            <a:off x="-77005" y="-171400"/>
-            <a:ext cx="1647825" cy="1590675"/>
-          </a:xfrm>
-          <a:prstGeom prst="rect">
-            <a:avLst/>
-          </a:prstGeom>
-          <a:noFill/>
-          <a:extLst>
-            <a:ext uri="{909E8E84-426E-40DD-AFC4-6F175D3DCCD1}">
-              <a14:hiddenFill xmlns:a14="http://schemas.microsoft.com/office/drawing/2010/main">
-                <a:solidFill>
-                  <a:srgbClr val="FFFFFF"/>
-                </a:solidFill>
-              </a14:hiddenFill>
-            </a:ext>
-          </a:extLst>
-        </p:spPr>
-      </p:pic>
-      <p:sp>
-        <p:nvSpPr>
-          <p:cNvPr id="92" name="TextBox 91"/>
-          <p:cNvSpPr txBox="1"/>
-          <p:nvPr/>
-        </p:nvSpPr>
-        <p:spPr>
-          <a:xfrm>
-            <a:off x="1449486" y="996782"/>
-            <a:ext cx="2340260" cy="369332"/>
-          </a:xfrm>
-          <a:prstGeom prst="rect">
-            <a:avLst/>
-          </a:prstGeom>
-          <a:noFill/>
-        </p:spPr>
-        <p:txBody>
-          <a:bodyPr wrap="square" rtlCol="0">
-            <a:spAutoFit/>
-          </a:bodyPr>
-          <a:lstStyle/>
-          <a:p>
-            <a:r>
-              <a:rPr lang="en-US" altLang="ko-KR" b="1" dirty="0" smtClean="0"/>
               <a:t>3. </a:t>
             </a:r>
             <a:r>
@@ -12397,7 +10943,7 @@
 </p:sld>
 </file>
 
-<file path=ppt/slides/slide8.xml><?xml version="1.0" encoding="utf-8"?>
+<file path=ppt/slides/slide7.xml><?xml version="1.0" encoding="utf-8"?>
 <p:sld xmlns:a="http://schemas.openxmlformats.org/drawingml/2006/main" xmlns:r="http://schemas.openxmlformats.org/officeDocument/2006/relationships" xmlns:p="http://schemas.openxmlformats.org/presentationml/2006/main">
   <p:cSld>
     <p:spTree>
@@ -12436,7 +10982,7 @@
           <a:p>
             <a:fld id="{DCCC80DD-AB2E-4718-90F4-1564A6642ACA}" type="slidenum">
               <a:rPr lang="ko-KR" altLang="en-US" smtClean="0"/>
-              <a:t>8</a:t>
+              <a:t>7</a:t>
             </a:fld>
             <a:endParaRPr lang="ko-KR" altLang="en-US"/>
           </a:p>
@@ -13719,7 +12265,7 @@
 </p:sld>
 </file>
 
-<file path=ppt/slides/slide9.xml><?xml version="1.0" encoding="utf-8"?>
+<file path=ppt/slides/slide8.xml><?xml version="1.0" encoding="utf-8"?>
 <p:sld xmlns:a="http://schemas.openxmlformats.org/drawingml/2006/main" xmlns:r="http://schemas.openxmlformats.org/officeDocument/2006/relationships" xmlns:p="http://schemas.openxmlformats.org/presentationml/2006/main">
   <p:cSld>
     <p:spTree>
@@ -13758,7 +12304,7 @@
           <a:p>
             <a:fld id="{DCCC80DD-AB2E-4718-90F4-1564A6642ACA}" type="slidenum">
               <a:rPr lang="ko-KR" altLang="en-US" smtClean="0"/>
-              <a:t>9</a:t>
+              <a:t>8</a:t>
             </a:fld>
             <a:endParaRPr lang="ko-KR" altLang="en-US"/>
           </a:p>
@@ -13878,11 +12424,11 @@
           <a:p>
             <a:r>
               <a:rPr lang="en-US" altLang="ko-KR" b="1" dirty="0" smtClean="0"/>
-              <a:t>4. </a:t>
+              <a:t>5. </a:t>
             </a:r>
             <a:r>
               <a:rPr lang="ko-KR" altLang="en-US" b="1" dirty="0" smtClean="0"/>
-              <a:t>색칠하기</a:t>
+              <a:t>움직이는 그림</a:t>
             </a:r>
             <a:endParaRPr lang="ko-KR" altLang="en-US" b="1" dirty="0"/>
           </a:p>
@@ -14691,6 +13237,605 @@
     <p:extLst>
       <p:ext uri="{BB962C8B-B14F-4D97-AF65-F5344CB8AC3E}">
         <p14:creationId xmlns:p14="http://schemas.microsoft.com/office/powerpoint/2010/main" val="1885198920"/>
+      </p:ext>
+    </p:extLst>
+  </p:cSld>
+  <p:clrMapOvr>
+    <a:masterClrMapping/>
+  </p:clrMapOvr>
+  <p:timing>
+    <p:tnLst>
+      <p:par>
+        <p:cTn id="1" dur="indefinite" restart="never" nodeType="tmRoot"/>
+      </p:par>
+    </p:tnLst>
+  </p:timing>
+</p:sld>
+</file>
+
+<file path=ppt/slides/slide9.xml><?xml version="1.0" encoding="utf-8"?>
+<p:sld xmlns:a="http://schemas.openxmlformats.org/drawingml/2006/main" xmlns:r="http://schemas.openxmlformats.org/officeDocument/2006/relationships" xmlns:p="http://schemas.openxmlformats.org/presentationml/2006/main">
+  <p:cSld>
+    <p:spTree>
+      <p:nvGrpSpPr>
+        <p:cNvPr id="1" name=""/>
+        <p:cNvGrpSpPr/>
+        <p:nvPr/>
+      </p:nvGrpSpPr>
+      <p:grpSpPr>
+        <a:xfrm>
+          <a:off x="0" y="0"/>
+          <a:ext cx="0" cy="0"/>
+          <a:chOff x="0" y="0"/>
+          <a:chExt cx="0" cy="0"/>
+        </a:xfrm>
+      </p:grpSpPr>
+      <p:sp>
+        <p:nvSpPr>
+          <p:cNvPr id="4" name="슬라이드 번호 개체 틀 3"/>
+          <p:cNvSpPr>
+            <a:spLocks noGrp="1"/>
+          </p:cNvSpPr>
+          <p:nvPr>
+            <p:ph type="sldNum" sz="quarter" idx="12"/>
+          </p:nvPr>
+        </p:nvSpPr>
+        <p:spPr>
+          <a:xfrm>
+            <a:off x="8244408" y="6356350"/>
+            <a:ext cx="442392" cy="365125"/>
+          </a:xfrm>
+        </p:spPr>
+        <p:txBody>
+          <a:bodyPr/>
+          <a:lstStyle/>
+          <a:p>
+            <a:fld id="{DCCC80DD-AB2E-4718-90F4-1564A6642ACA}" type="slidenum">
+              <a:rPr lang="ko-KR" altLang="en-US" smtClean="0"/>
+              <a:t>9</a:t>
+            </a:fld>
+            <a:endParaRPr lang="ko-KR" altLang="en-US"/>
+          </a:p>
+        </p:txBody>
+      </p:sp>
+      <p:sp>
+        <p:nvSpPr>
+          <p:cNvPr id="17" name="모서리가 둥근 직사각형 16"/>
+          <p:cNvSpPr/>
+          <p:nvPr/>
+        </p:nvSpPr>
+        <p:spPr>
+          <a:xfrm>
+            <a:off x="755576" y="116632"/>
+            <a:ext cx="6048672" cy="720080"/>
+          </a:xfrm>
+          <a:prstGeom prst="roundRect">
+            <a:avLst/>
+          </a:prstGeom>
+          <a:ln/>
+        </p:spPr>
+        <p:style>
+          <a:lnRef idx="3">
+            <a:schemeClr val="lt1"/>
+          </a:lnRef>
+          <a:fillRef idx="1">
+            <a:schemeClr val="accent6"/>
+          </a:fillRef>
+          <a:effectRef idx="1">
+            <a:schemeClr val="accent6"/>
+          </a:effectRef>
+          <a:fontRef idx="minor">
+            <a:schemeClr val="lt1"/>
+          </a:fontRef>
+        </p:style>
+        <p:txBody>
+          <a:bodyPr rtlCol="0" anchor="ctr"/>
+          <a:lstStyle/>
+          <a:p>
+            <a:pPr algn="ctr"/>
+            <a:r>
+              <a:rPr lang="en-US" altLang="ko-KR" sz="4000" dirty="0" smtClean="0">
+                <a:latin typeface="타이포_뽀로로 M" panose="02020503020101020101" pitchFamily="18" charset="-127"/>
+                <a:ea typeface="타이포_뽀로로 M" panose="02020503020101020101" pitchFamily="18" charset="-127"/>
+              </a:rPr>
+              <a:t>User Interface</a:t>
+            </a:r>
+            <a:endParaRPr lang="ko-KR" altLang="en-US" sz="4000" dirty="0">
+              <a:latin typeface="타이포_뽀로로 M" panose="02020503020101020101" pitchFamily="18" charset="-127"/>
+              <a:ea typeface="타이포_뽀로로 M" panose="02020503020101020101" pitchFamily="18" charset="-127"/>
+            </a:endParaRPr>
+          </a:p>
+        </p:txBody>
+      </p:sp>
+      <p:pic>
+        <p:nvPicPr>
+          <p:cNvPr id="18" name="Picture 4" descr="C:\Users\HYP\Desktop\어피치.png"/>
+          <p:cNvPicPr>
+            <a:picLocks noChangeAspect="1" noChangeArrowheads="1"/>
+          </p:cNvPicPr>
+          <p:nvPr/>
+        </p:nvPicPr>
+        <p:blipFill>
+          <a:blip r:embed="rId2">
+            <a:extLst>
+              <a:ext uri="{28A0092B-C50C-407E-A947-70E740481C1C}">
+                <a14:useLocalDpi xmlns:a14="http://schemas.microsoft.com/office/drawing/2010/main" val="0"/>
+              </a:ext>
+            </a:extLst>
+          </a:blip>
+          <a:srcRect/>
+          <a:stretch>
+            <a:fillRect/>
+          </a:stretch>
+        </p:blipFill>
+        <p:spPr bwMode="auto">
+          <a:xfrm>
+            <a:off x="-77005" y="-171400"/>
+            <a:ext cx="1647825" cy="1590675"/>
+          </a:xfrm>
+          <a:prstGeom prst="rect">
+            <a:avLst/>
+          </a:prstGeom>
+          <a:noFill/>
+          <a:extLst>
+            <a:ext uri="{909E8E84-426E-40DD-AFC4-6F175D3DCCD1}">
+              <a14:hiddenFill xmlns:a14="http://schemas.microsoft.com/office/drawing/2010/main">
+                <a:solidFill>
+                  <a:srgbClr val="FFFFFF"/>
+                </a:solidFill>
+              </a14:hiddenFill>
+            </a:ext>
+          </a:extLst>
+        </p:spPr>
+      </p:pic>
+      <p:sp>
+        <p:nvSpPr>
+          <p:cNvPr id="5" name="TextBox 4"/>
+          <p:cNvSpPr txBox="1"/>
+          <p:nvPr/>
+        </p:nvSpPr>
+        <p:spPr>
+          <a:xfrm>
+            <a:off x="325234" y="1628800"/>
+            <a:ext cx="8424935" cy="3901068"/>
+          </a:xfrm>
+          <a:prstGeom prst="rect">
+            <a:avLst/>
+          </a:prstGeom>
+          <a:noFill/>
+        </p:spPr>
+        <p:txBody>
+          <a:bodyPr wrap="square" rtlCol="0">
+            <a:spAutoFit/>
+          </a:bodyPr>
+          <a:lstStyle/>
+          <a:p>
+            <a:pPr>
+              <a:lnSpc>
+                <a:spcPct val="150000"/>
+              </a:lnSpc>
+            </a:pPr>
+            <a:r>
+              <a:rPr lang="en-US" altLang="ko-KR" sz="1500" b="1" i="1" dirty="0" smtClean="0"/>
+              <a:t>Public </a:t>
+            </a:r>
+            <a:r>
+              <a:rPr lang="en-US" altLang="ko-KR" sz="1500" b="1" i="1" dirty="0"/>
+              <a:t>Functions</a:t>
+            </a:r>
+            <a:endParaRPr lang="en-US" altLang="ko-KR" sz="1500" dirty="0"/>
+          </a:p>
+          <a:p>
+            <a:pPr>
+              <a:lnSpc>
+                <a:spcPct val="150000"/>
+              </a:lnSpc>
+            </a:pPr>
+            <a:r>
+              <a:rPr lang="en-US" altLang="ko-KR" sz="1500" dirty="0"/>
+              <a:t>float </a:t>
+            </a:r>
+            <a:r>
+              <a:rPr lang="en-US" altLang="ko-KR" sz="1500" b="1" dirty="0" err="1"/>
+              <a:t>distanceOfTipToElement</a:t>
+            </a:r>
+            <a:r>
+              <a:rPr lang="en-US" altLang="ko-KR" sz="1500" dirty="0"/>
+              <a:t>(Transform </a:t>
+            </a:r>
+            <a:r>
+              <a:rPr lang="en-US" altLang="ko-KR" sz="1500" dirty="0" err="1"/>
+              <a:t>UIElement</a:t>
+            </a:r>
+            <a:r>
+              <a:rPr lang="en-US" altLang="ko-KR" sz="1500" dirty="0"/>
+              <a:t>, </a:t>
+            </a:r>
+            <a:r>
+              <a:rPr lang="en-US" altLang="ko-KR" sz="1500" dirty="0" err="1"/>
+              <a:t>int</a:t>
+            </a:r>
+            <a:r>
+              <a:rPr lang="en-US" altLang="ko-KR" sz="1500" dirty="0"/>
+              <a:t> </a:t>
+            </a:r>
+            <a:r>
+              <a:rPr lang="en-US" altLang="ko-KR" sz="1500" dirty="0" err="1"/>
+              <a:t>whichHand</a:t>
+            </a:r>
+            <a:r>
+              <a:rPr lang="en-US" altLang="ko-KR" sz="1500" dirty="0"/>
+              <a:t>, </a:t>
+            </a:r>
+            <a:r>
+              <a:rPr lang="en-US" altLang="ko-KR" sz="1500" dirty="0" err="1"/>
+              <a:t>int</a:t>
+            </a:r>
+            <a:r>
+              <a:rPr lang="en-US" altLang="ko-KR" sz="1500" dirty="0"/>
+              <a:t> </a:t>
+            </a:r>
+            <a:r>
+              <a:rPr lang="en-US" altLang="ko-KR" sz="1500" dirty="0" err="1"/>
+              <a:t>whichFinger</a:t>
+            </a:r>
+            <a:r>
+              <a:rPr lang="en-US" altLang="ko-KR" sz="1500" dirty="0"/>
+              <a:t>)</a:t>
+            </a:r>
+          </a:p>
+          <a:p>
+            <a:pPr>
+              <a:lnSpc>
+                <a:spcPct val="150000"/>
+              </a:lnSpc>
+            </a:pPr>
+            <a:r>
+              <a:rPr lang="en-US" altLang="ko-KR" sz="1500" dirty="0" smtClean="0"/>
+              <a:t>- </a:t>
+            </a:r>
+            <a:r>
+              <a:rPr lang="ko-KR" altLang="en-US" sz="1500" dirty="0" smtClean="0"/>
+              <a:t>검지손가락 끝의 지정된 위치 값</a:t>
+            </a:r>
+            <a:endParaRPr lang="en-US" altLang="ko-KR" sz="1500" dirty="0" smtClean="0"/>
+          </a:p>
+          <a:p>
+            <a:pPr>
+              <a:lnSpc>
+                <a:spcPct val="150000"/>
+              </a:lnSpc>
+            </a:pPr>
+            <a:r>
+              <a:rPr lang="en-US" altLang="ko-KR" sz="1500" dirty="0" smtClean="0"/>
+              <a:t>float</a:t>
+            </a:r>
+            <a:r>
+              <a:rPr lang="en-US" altLang="ko-KR" sz="1500" dirty="0"/>
+              <a:t> </a:t>
+            </a:r>
+            <a:r>
+              <a:rPr lang="en-US" altLang="ko-KR" sz="1500" b="1" dirty="0" err="1"/>
+              <a:t>distanceOfTipToPointer</a:t>
+            </a:r>
+            <a:r>
+              <a:rPr lang="en-US" altLang="ko-KR" sz="1500" dirty="0"/>
+              <a:t>(</a:t>
+            </a:r>
+            <a:r>
+              <a:rPr lang="en-US" altLang="ko-KR" sz="1500" dirty="0" err="1"/>
+              <a:t>int</a:t>
+            </a:r>
+            <a:r>
+              <a:rPr lang="en-US" altLang="ko-KR" sz="1500" dirty="0"/>
+              <a:t> </a:t>
+            </a:r>
+            <a:r>
+              <a:rPr lang="en-US" altLang="ko-KR" sz="1500" dirty="0" err="1"/>
+              <a:t>whichPointer</a:t>
+            </a:r>
+            <a:r>
+              <a:rPr lang="en-US" altLang="ko-KR" sz="1500" dirty="0"/>
+              <a:t>, </a:t>
+            </a:r>
+            <a:r>
+              <a:rPr lang="en-US" altLang="ko-KR" sz="1500" dirty="0" err="1"/>
+              <a:t>int</a:t>
+            </a:r>
+            <a:r>
+              <a:rPr lang="en-US" altLang="ko-KR" sz="1500" dirty="0"/>
+              <a:t> </a:t>
+            </a:r>
+            <a:r>
+              <a:rPr lang="en-US" altLang="ko-KR" sz="1500" dirty="0" err="1"/>
+              <a:t>whichHand</a:t>
+            </a:r>
+            <a:r>
+              <a:rPr lang="en-US" altLang="ko-KR" sz="1500" dirty="0"/>
+              <a:t>, </a:t>
+            </a:r>
+            <a:r>
+              <a:rPr lang="en-US" altLang="ko-KR" sz="1500" dirty="0" err="1"/>
+              <a:t>int</a:t>
+            </a:r>
+            <a:r>
+              <a:rPr lang="en-US" altLang="ko-KR" sz="1500" dirty="0"/>
+              <a:t> </a:t>
+            </a:r>
+            <a:r>
+              <a:rPr lang="en-US" altLang="ko-KR" sz="1500" dirty="0" err="1"/>
+              <a:t>whichFinger</a:t>
+            </a:r>
+            <a:r>
+              <a:rPr lang="en-US" altLang="ko-KR" sz="1500" dirty="0"/>
+              <a:t>)</a:t>
+            </a:r>
+          </a:p>
+          <a:p>
+            <a:pPr>
+              <a:lnSpc>
+                <a:spcPct val="150000"/>
+              </a:lnSpc>
+            </a:pPr>
+            <a:r>
+              <a:rPr lang="en-US" altLang="ko-KR" sz="1500" dirty="0" smtClean="0"/>
+              <a:t>- </a:t>
+            </a:r>
+            <a:r>
+              <a:rPr lang="ko-KR" altLang="en-US" sz="1500" dirty="0" smtClean="0"/>
+              <a:t>검지손가락 끝의 포인터 값</a:t>
+            </a:r>
+            <a:endParaRPr lang="en-US" altLang="ko-KR" sz="1500" dirty="0"/>
+          </a:p>
+          <a:p>
+            <a:pPr>
+              <a:lnSpc>
+                <a:spcPct val="150000"/>
+              </a:lnSpc>
+            </a:pPr>
+            <a:r>
+              <a:rPr lang="en-US" altLang="ko-KR" sz="1500" dirty="0" err="1" smtClean="0"/>
+              <a:t>bool</a:t>
+            </a:r>
+            <a:r>
+              <a:rPr lang="en-US" altLang="ko-KR" sz="1500" dirty="0"/>
+              <a:t> </a:t>
+            </a:r>
+            <a:r>
+              <a:rPr lang="en-US" altLang="ko-KR" sz="1500" b="1" dirty="0" err="1"/>
+              <a:t>getTouchingMode</a:t>
+            </a:r>
+            <a:r>
+              <a:rPr lang="en-US" altLang="ko-KR" sz="1500" dirty="0" smtClean="0"/>
+              <a:t>()</a:t>
+            </a:r>
+          </a:p>
+          <a:p>
+            <a:pPr>
+              <a:lnSpc>
+                <a:spcPct val="150000"/>
+              </a:lnSpc>
+            </a:pPr>
+            <a:r>
+              <a:rPr lang="en-US" altLang="ko-KR" sz="1500" dirty="0" smtClean="0"/>
+              <a:t>- </a:t>
+            </a:r>
+            <a:r>
+              <a:rPr lang="ko-KR" altLang="en-US" sz="1500" dirty="0" smtClean="0"/>
+              <a:t>손가락이 터치하는지 여부를 판단해서 반환 하는 함수</a:t>
+            </a:r>
+            <a:endParaRPr lang="en-US" altLang="ko-KR" sz="1500" dirty="0"/>
+          </a:p>
+          <a:p>
+            <a:pPr>
+              <a:lnSpc>
+                <a:spcPct val="150000"/>
+              </a:lnSpc>
+            </a:pPr>
+            <a:r>
+              <a:rPr lang="en-US" altLang="ko-KR" sz="1500" dirty="0" err="1" smtClean="0"/>
+              <a:t>bool</a:t>
+            </a:r>
+            <a:r>
+              <a:rPr lang="en-US" altLang="ko-KR" sz="1500" dirty="0"/>
+              <a:t> </a:t>
+            </a:r>
+            <a:r>
+              <a:rPr lang="en-US" altLang="ko-KR" sz="1500" b="1" dirty="0" err="1"/>
+              <a:t>isTriggeringInteraction</a:t>
+            </a:r>
+            <a:r>
+              <a:rPr lang="en-US" altLang="ko-KR" sz="1500" dirty="0"/>
+              <a:t>(</a:t>
+            </a:r>
+            <a:r>
+              <a:rPr lang="en-US" altLang="ko-KR" sz="1500" dirty="0" err="1"/>
+              <a:t>int</a:t>
+            </a:r>
+            <a:r>
+              <a:rPr lang="en-US" altLang="ko-KR" sz="1500" dirty="0"/>
+              <a:t> </a:t>
+            </a:r>
+            <a:r>
+              <a:rPr lang="en-US" altLang="ko-KR" sz="1500" dirty="0" err="1"/>
+              <a:t>whichPointer</a:t>
+            </a:r>
+            <a:r>
+              <a:rPr lang="en-US" altLang="ko-KR" sz="1500" dirty="0"/>
+              <a:t>, </a:t>
+            </a:r>
+            <a:r>
+              <a:rPr lang="en-US" altLang="ko-KR" sz="1500" dirty="0" err="1"/>
+              <a:t>int</a:t>
+            </a:r>
+            <a:r>
+              <a:rPr lang="en-US" altLang="ko-KR" sz="1500" dirty="0"/>
+              <a:t> </a:t>
+            </a:r>
+            <a:r>
+              <a:rPr lang="en-US" altLang="ko-KR" sz="1500" dirty="0" err="1"/>
+              <a:t>whichHand</a:t>
+            </a:r>
+            <a:r>
+              <a:rPr lang="en-US" altLang="ko-KR" sz="1500" dirty="0"/>
+              <a:t>, </a:t>
+            </a:r>
+            <a:r>
+              <a:rPr lang="en-US" altLang="ko-KR" sz="1500" dirty="0" err="1"/>
+              <a:t>int</a:t>
+            </a:r>
+            <a:r>
+              <a:rPr lang="en-US" altLang="ko-KR" sz="1500" dirty="0"/>
+              <a:t> </a:t>
+            </a:r>
+            <a:r>
+              <a:rPr lang="en-US" altLang="ko-KR" sz="1500" dirty="0" err="1"/>
+              <a:t>whichFinger</a:t>
+            </a:r>
+            <a:r>
+              <a:rPr lang="en-US" altLang="ko-KR" sz="1500" dirty="0"/>
+              <a:t>)</a:t>
+            </a:r>
+          </a:p>
+          <a:p>
+            <a:pPr>
+              <a:lnSpc>
+                <a:spcPct val="150000"/>
+              </a:lnSpc>
+            </a:pPr>
+            <a:r>
+              <a:rPr lang="en-US" altLang="ko-KR" sz="1500" dirty="0" smtClean="0"/>
+              <a:t>- </a:t>
+            </a:r>
+            <a:r>
+              <a:rPr lang="ko-KR" altLang="en-US" sz="1500" dirty="0" smtClean="0"/>
+              <a:t>클릭이 되면 </a:t>
+            </a:r>
+            <a:r>
+              <a:rPr lang="en-US" altLang="ko-KR" sz="1500" dirty="0" smtClean="0"/>
+              <a:t>True</a:t>
+            </a:r>
+            <a:r>
+              <a:rPr lang="ko-KR" altLang="en-US" sz="1500" dirty="0" smtClean="0"/>
+              <a:t>를 반환하는 </a:t>
+            </a:r>
+            <a:r>
+              <a:rPr lang="en-US" altLang="ko-KR" sz="1500" dirty="0" err="1" smtClean="0"/>
+              <a:t>bool</a:t>
+            </a:r>
+            <a:r>
+              <a:rPr lang="en-US" altLang="ko-KR" sz="1500" dirty="0" smtClean="0"/>
+              <a:t> </a:t>
+            </a:r>
+            <a:r>
+              <a:rPr lang="ko-KR" altLang="en-US" sz="1500" dirty="0" smtClean="0"/>
+              <a:t>함수</a:t>
+            </a:r>
+            <a:endParaRPr lang="en-US" altLang="ko-KR" sz="1500" dirty="0"/>
+          </a:p>
+          <a:p>
+            <a:pPr>
+              <a:lnSpc>
+                <a:spcPct val="150000"/>
+              </a:lnSpc>
+            </a:pPr>
+            <a:r>
+              <a:rPr lang="en-US" altLang="ko-KR" sz="1500" dirty="0"/>
+              <a:t>void </a:t>
+            </a:r>
+            <a:r>
+              <a:rPr lang="en-US" altLang="ko-KR" sz="1500" b="1" dirty="0" err="1"/>
+              <a:t>lerpPointerColor</a:t>
+            </a:r>
+            <a:r>
+              <a:rPr lang="en-US" altLang="ko-KR" sz="1500" dirty="0"/>
+              <a:t>(</a:t>
+            </a:r>
+            <a:r>
+              <a:rPr lang="en-US" altLang="ko-KR" sz="1500" dirty="0" err="1"/>
+              <a:t>int</a:t>
+            </a:r>
+            <a:r>
+              <a:rPr lang="en-US" altLang="ko-KR" sz="1500" dirty="0"/>
+              <a:t> </a:t>
+            </a:r>
+            <a:r>
+              <a:rPr lang="en-US" altLang="ko-KR" sz="1500" dirty="0" err="1"/>
+              <a:t>whichPointer</a:t>
+            </a:r>
+            <a:r>
+              <a:rPr lang="en-US" altLang="ko-KR" sz="1500" dirty="0"/>
+              <a:t>, Color </a:t>
+            </a:r>
+            <a:r>
+              <a:rPr lang="en-US" altLang="ko-KR" sz="1500" dirty="0" err="1"/>
+              <a:t>color</a:t>
+            </a:r>
+            <a:r>
+              <a:rPr lang="en-US" altLang="ko-KR" sz="1500" dirty="0"/>
+              <a:t>, float </a:t>
+            </a:r>
+            <a:r>
+              <a:rPr lang="en-US" altLang="ko-KR" sz="1500" dirty="0" err="1"/>
+              <a:t>lerpalpha</a:t>
+            </a:r>
+            <a:r>
+              <a:rPr lang="en-US" altLang="ko-KR" sz="1500" dirty="0" smtClean="0"/>
+              <a:t>)</a:t>
+            </a:r>
+          </a:p>
+          <a:p>
+            <a:pPr>
+              <a:lnSpc>
+                <a:spcPct val="150000"/>
+              </a:lnSpc>
+            </a:pPr>
+            <a:r>
+              <a:rPr lang="en-US" altLang="ko-KR" sz="1500" dirty="0" smtClean="0"/>
+              <a:t>- </a:t>
+            </a:r>
+            <a:r>
+              <a:rPr lang="ko-KR" altLang="en-US" sz="1500" dirty="0" smtClean="0"/>
+              <a:t>지정된 색상으로 커서의 색상을 변경하는 함수</a:t>
+            </a:r>
+            <a:endParaRPr lang="en-US" altLang="ko-KR" sz="1500" b="1" dirty="0"/>
+          </a:p>
+        </p:txBody>
+      </p:sp>
+      <p:sp>
+        <p:nvSpPr>
+          <p:cNvPr id="7" name="TextBox 6"/>
+          <p:cNvSpPr txBox="1"/>
+          <p:nvPr/>
+        </p:nvSpPr>
+        <p:spPr>
+          <a:xfrm>
+            <a:off x="1570820" y="989906"/>
+            <a:ext cx="1200980" cy="369332"/>
+          </a:xfrm>
+          <a:prstGeom prst="rect">
+            <a:avLst/>
+          </a:prstGeom>
+          <a:noFill/>
+        </p:spPr>
+        <p:txBody>
+          <a:bodyPr wrap="square" rtlCol="0">
+            <a:spAutoFit/>
+          </a:bodyPr>
+          <a:lstStyle/>
+          <a:p>
+            <a:r>
+              <a:rPr lang="ko-KR" altLang="en-US" b="1" dirty="0" smtClean="0"/>
+              <a:t>사용 함수</a:t>
+            </a:r>
+            <a:endParaRPr lang="ko-KR" altLang="en-US" b="1" dirty="0"/>
+          </a:p>
+        </p:txBody>
+      </p:sp>
+    </p:spTree>
+    <p:extLst>
+      <p:ext uri="{BB962C8B-B14F-4D97-AF65-F5344CB8AC3E}">
+        <p14:creationId xmlns:p14="http://schemas.microsoft.com/office/powerpoint/2010/main" val="3941496103"/>
       </p:ext>
     </p:extLst>
   </p:cSld>
